--- a/Tex/CAV2019/flowchart.pptx
+++ b/Tex/CAV2019/flowchart.pptx
@@ -2789,7 +2789,7 @@
         </p:nvSpPr>
         <p:spPr>
           <a:xfrm>
-            <a:off x="16510" y="397510"/>
+            <a:off x="16510" y="969010"/>
             <a:ext cx="1998980" cy="1426845"/>
           </a:xfrm>
           <a:prstGeom prst="flowChartInputOutput">
@@ -2820,16 +2820,10 @@
           <a:p>
             <a:pPr algn="ctr"/>
             <a:r>
-              <a:rPr lang="" altLang="en-US" sz="1000">
+              <a:rPr lang="en-US" altLang="en-US" sz="1000" b="1">
                 <a:sym typeface="+mn-ea"/>
               </a:rPr>
-              <a:t>From the </a:t>
-            </a:r>
-            <a:r>
-              <a:rPr lang="en-US" altLang="en-US" sz="1000">
-                <a:sym typeface="+mn-ea"/>
-              </a:rPr>
-              <a:t>House: </a:t>
+              <a:t>From the House: </a:t>
             </a:r>
             <a:endParaRPr lang="en-US" altLang="en-US" sz="1000"/>
           </a:p>
@@ -2849,13 +2843,7 @@
               <a:rPr lang="en-US" altLang="en-US" sz="1000">
                 <a:sym typeface="+mn-ea"/>
               </a:rPr>
-              <a:t>Peak power </a:t>
-            </a:r>
-            <a:r>
-              <a:rPr lang="" altLang="en-US" sz="1000">
-                <a:sym typeface="+mn-ea"/>
-              </a:rPr>
-              <a:t>(W)</a:t>
+              <a:t>Peak power (W)</a:t>
             </a:r>
             <a:endParaRPr lang="en-US" altLang="en-US" sz="1000"/>
           </a:p>
@@ -2865,13 +2853,7 @@
               <a:rPr lang="en-US" altLang="en-US" sz="1000">
                 <a:sym typeface="+mn-ea"/>
               </a:rPr>
-              <a:t>Energy demand </a:t>
-            </a:r>
-            <a:r>
-              <a:rPr lang="" altLang="en-US" sz="1000">
-                <a:sym typeface="+mn-ea"/>
-              </a:rPr>
-              <a:t>(kWh/day)</a:t>
+              <a:t>Energy demand (kWh/day)</a:t>
             </a:r>
             <a:endParaRPr lang="en-US" altLang="en-US" sz="1000">
               <a:sym typeface="+mn-ea"/>
@@ -2883,13 +2865,7 @@
               <a:rPr lang="en-US" altLang="en-US" sz="1000">
                 <a:sym typeface="+mn-ea"/>
               </a:rPr>
-              <a:t>Outlet AC voltage </a:t>
-            </a:r>
-            <a:r>
-              <a:rPr lang="" altLang="en-US" sz="1000">
-                <a:sym typeface="+mn-ea"/>
-              </a:rPr>
-              <a:t>(V)</a:t>
+              <a:t>Outlet AC voltage (V)</a:t>
             </a:r>
             <a:endParaRPr lang="en-US" altLang="en-US" sz="1000">
               <a:sym typeface="+mn-ea"/>
@@ -2911,8 +2887,8 @@
         </p:nvSpPr>
         <p:spPr>
           <a:xfrm>
-            <a:off x="16510" y="1887855"/>
-            <a:ext cx="1998980" cy="1173480"/>
+            <a:off x="16510" y="2459355"/>
+            <a:ext cx="1998980" cy="1632585"/>
           </a:xfrm>
           <a:prstGeom prst="flowChartInputOutput">
             <a:avLst/>
@@ -2942,16 +2918,10 @@
           <a:p>
             <a:pPr algn="ctr"/>
             <a:r>
-              <a:rPr lang="" altLang="en-US" sz="1000">
+              <a:rPr lang="en-US" altLang="en-US" sz="1000" b="1">
                 <a:sym typeface="+mn-ea"/>
               </a:rPr>
-              <a:t>Design a</a:t>
-            </a:r>
-            <a:r>
-              <a:rPr lang="en-US" altLang="en-US" sz="1000">
-                <a:sym typeface="+mn-ea"/>
-              </a:rPr>
-              <a:t>ssumptions:</a:t>
+              <a:t>Design assumptions:</a:t>
             </a:r>
             <a:endParaRPr lang="en-US" altLang="en-US" sz="1000"/>
           </a:p>
@@ -2969,6 +2939,16 @@
               </a:rPr>
               <a:t>(h)</a:t>
             </a:r>
+            <a:endParaRPr lang="en-US" sz="1000">
+              <a:sym typeface="+mn-ea"/>
+            </a:endParaRPr>
+          </a:p>
+          <a:p>
+            <a:pPr algn="ctr"/>
+            <a:r>
+              <a:rPr lang="en-US" altLang="en-US" sz="1000"/>
+              <a:t>Battery DOD and SOC</a:t>
+            </a:r>
             <a:endParaRPr lang="en-US" altLang="en-US" sz="1000"/>
           </a:p>
           <a:p>
@@ -2987,18 +2967,23 @@
       </p:sp>
       <p:sp>
         <p:nvSpPr>
-          <p:cNvPr id="15" name="Flowchart: Data 14"/>
+          <p:cNvPr id="18" name="Flowchart: Process 17"/>
           <p:cNvSpPr/>
           <p:nvPr/>
         </p:nvSpPr>
         <p:spPr>
           <a:xfrm>
-            <a:off x="17145" y="4331335"/>
-            <a:ext cx="1913890" cy="1162050"/>
-          </a:xfrm>
-          <a:prstGeom prst="flowChartInputOutput">
+            <a:off x="2827020" y="3342005"/>
+            <a:ext cx="2530475" cy="391160"/>
+          </a:xfrm>
+          <a:prstGeom prst="flowChartProcess">
             <a:avLst/>
           </a:prstGeom>
+          <a:solidFill>
+            <a:schemeClr val="bg1">
+              <a:lumMod val="75000"/>
+            </a:schemeClr>
+          </a:solidFill>
           <a:ln>
             <a:solidFill>
               <a:schemeClr val="tx1"/>
@@ -3024,48 +3009,22 @@
           <a:p>
             <a:pPr algn="ctr"/>
             <a:r>
-              <a:rPr lang="en-US" altLang="en-US" sz="1000">
-                <a:sym typeface="+mn-ea"/>
-              </a:rPr>
-              <a:t>Weather information:</a:t>
+              <a:rPr lang="en-US" altLang="en-US" sz="1000"/>
+              <a:t>Calculate energy demand from batteries</a:t>
             </a:r>
             <a:endParaRPr lang="en-US" altLang="en-US" sz="1000"/>
           </a:p>
-          <a:p>
-            <a:pPr algn="ctr"/>
-            <a:r>
-              <a:rPr lang="en-US" altLang="en-US" sz="1000">
-                <a:sym typeface="+mn-ea"/>
-              </a:rPr>
-              <a:t>solar irradiation/ insolation (</a:t>
-            </a:r>
-            <a:r>
-              <a:rPr lang="" altLang="en-US" sz="1000">
-                <a:sym typeface="+mn-ea"/>
-              </a:rPr>
-              <a:t>from </a:t>
-            </a:r>
-            <a:r>
-              <a:rPr lang="en-US" altLang="en-US" sz="1000">
-                <a:sym typeface="+mn-ea"/>
-              </a:rPr>
-              <a:t>local)</a:t>
-            </a:r>
-            <a:endParaRPr lang="en-US" altLang="en-US" sz="1000">
-              <a:sym typeface="+mn-ea"/>
-            </a:endParaRPr>
-          </a:p>
-        </p:txBody>
-      </p:sp>
-      <p:sp>
-        <p:nvSpPr>
-          <p:cNvPr id="17" name="Flowchart: Alternate Process 16"/>
+        </p:txBody>
+      </p:sp>
+      <p:sp>
+        <p:nvSpPr>
+          <p:cNvPr id="19" name="Flowchart: Alternate Process 18"/>
           <p:cNvSpPr/>
           <p:nvPr/>
         </p:nvSpPr>
         <p:spPr>
           <a:xfrm>
-            <a:off x="2827020" y="2214880"/>
+            <a:off x="2820670" y="5328920"/>
             <a:ext cx="2529840" cy="478790"/>
           </a:xfrm>
           <a:prstGeom prst="flowChartAlternateProcess">
@@ -3106,7 +3065,7 @@
               <a:rPr lang="en-US" altLang="en-US" sz="1000">
                 <a:sym typeface="+mn-ea"/>
               </a:rPr>
-              <a:t>Check electrical compatibility between PV panels arrangement  and charge controller</a:t>
+              <a:t>Check electrical compatibility between the charge controller  and the adopted DC bus voltage</a:t>
             </a:r>
             <a:endParaRPr lang="en-US" altLang="en-US" sz="1000">
               <a:sym typeface="+mn-ea"/>
@@ -3116,13 +3075,13 @@
       </p:sp>
       <p:sp>
         <p:nvSpPr>
-          <p:cNvPr id="18" name="Flowchart: Process 17"/>
+          <p:cNvPr id="20" name="Flowchart: Process 19"/>
           <p:cNvSpPr/>
           <p:nvPr/>
         </p:nvSpPr>
         <p:spPr>
           <a:xfrm>
-            <a:off x="2827020" y="2808605"/>
+            <a:off x="2823210" y="3852545"/>
             <a:ext cx="2530475" cy="391160"/>
           </a:xfrm>
           <a:prstGeom prst="flowChartProcess">
@@ -3159,7 +3118,7 @@
             <a:pPr algn="ctr"/>
             <a:r>
               <a:rPr lang="en-US" altLang="en-US" sz="1000"/>
-              <a:t>Calculate energy demand from batteries</a:t>
+              <a:t>Calculate the minimum energy from DC-bus</a:t>
             </a:r>
             <a:endParaRPr lang="en-US" altLang="en-US" sz="1000"/>
           </a:p>
@@ -3167,14 +3126,124 @@
       </p:sp>
       <p:sp>
         <p:nvSpPr>
-          <p:cNvPr id="19" name="Flowchart: Alternate Process 18"/>
+          <p:cNvPr id="21" name="Flowchart: Process 20"/>
           <p:cNvSpPr/>
           <p:nvPr/>
         </p:nvSpPr>
         <p:spPr>
           <a:xfrm>
-            <a:off x="2820670" y="4805045"/>
-            <a:ext cx="2529840" cy="478790"/>
+            <a:off x="2827020" y="4371340"/>
+            <a:ext cx="2530475" cy="391160"/>
+          </a:xfrm>
+          <a:prstGeom prst="flowChartProcess">
+            <a:avLst/>
+          </a:prstGeom>
+          <a:solidFill>
+            <a:schemeClr val="bg1">
+              <a:lumMod val="75000"/>
+            </a:schemeClr>
+          </a:solidFill>
+          <a:ln>
+            <a:solidFill>
+              <a:schemeClr val="tx1"/>
+            </a:solidFill>
+          </a:ln>
+        </p:spPr>
+        <p:style>
+          <a:lnRef idx="2">
+            <a:schemeClr val="accent6"/>
+          </a:lnRef>
+          <a:fillRef idx="1">
+            <a:schemeClr val="lt1"/>
+          </a:fillRef>
+          <a:effectRef idx="0">
+            <a:schemeClr val="accent6"/>
+          </a:effectRef>
+          <a:fontRef idx="minor">
+            <a:schemeClr val="dk1"/>
+          </a:fontRef>
+        </p:style>
+        <p:txBody>
+          <a:bodyPr rtlCol="0" anchor="ctr"/>
+          <a:p>
+            <a:pPr algn="ctr"/>
+            <a:r>
+              <a:rPr lang="en-US" altLang="en-US" sz="1000"/>
+              <a:t>Calculate the battery bank capacity</a:t>
+            </a:r>
+            <a:endParaRPr lang="en-US" altLang="en-US" sz="1000"/>
+          </a:p>
+        </p:txBody>
+      </p:sp>
+      <p:sp>
+        <p:nvSpPr>
+          <p:cNvPr id="22" name="Flowchart: Process 21"/>
+          <p:cNvSpPr/>
+          <p:nvPr/>
+        </p:nvSpPr>
+        <p:spPr>
+          <a:xfrm>
+            <a:off x="2820035" y="4846955"/>
+            <a:ext cx="2530475" cy="391160"/>
+          </a:xfrm>
+          <a:prstGeom prst="flowChartProcess">
+            <a:avLst/>
+          </a:prstGeom>
+          <a:solidFill>
+            <a:schemeClr val="bg1">
+              <a:lumMod val="75000"/>
+            </a:schemeClr>
+          </a:solidFill>
+          <a:ln>
+            <a:solidFill>
+              <a:schemeClr val="tx1"/>
+            </a:solidFill>
+          </a:ln>
+        </p:spPr>
+        <p:style>
+          <a:lnRef idx="2">
+            <a:schemeClr val="accent6"/>
+          </a:lnRef>
+          <a:fillRef idx="1">
+            <a:schemeClr val="lt1"/>
+          </a:fillRef>
+          <a:effectRef idx="0">
+            <a:schemeClr val="accent6"/>
+          </a:effectRef>
+          <a:fontRef idx="minor">
+            <a:schemeClr val="dk1"/>
+          </a:fontRef>
+        </p:style>
+        <p:txBody>
+          <a:bodyPr rtlCol="0" anchor="ctr"/>
+          <a:p>
+            <a:pPr algn="ctr"/>
+            <a:r>
+              <a:rPr lang="en-US" altLang="en-US" sz="1000"/>
+              <a:t>i</a:t>
+            </a:r>
+            <a:r>
+              <a:rPr lang="" altLang="en-US" sz="1000"/>
+              <a:t>x</a:t>
+            </a:r>
+            <a:r>
+              <a:rPr lang="en-US" altLang="en-US" sz="1000"/>
+              <a:t> - Define arrangement of batteries in series and parallel</a:t>
+            </a:r>
+            <a:endParaRPr lang="en-US" altLang="en-US" sz="1000"/>
+          </a:p>
+        </p:txBody>
+      </p:sp>
+      <p:sp>
+        <p:nvSpPr>
+          <p:cNvPr id="23" name="Flowchart: Alternate Process 22"/>
+          <p:cNvSpPr/>
+          <p:nvPr/>
+        </p:nvSpPr>
+        <p:spPr>
+          <a:xfrm>
+            <a:off x="2820035" y="6398260"/>
+            <a:ext cx="2529840" cy="586105"/>
           </a:xfrm>
           <a:prstGeom prst="flowChartAlternateProcess">
             <a:avLst/>
@@ -3214,7 +3283,7 @@
               <a:rPr lang="en-US" altLang="en-US" sz="1000">
                 <a:sym typeface="+mn-ea"/>
               </a:rPr>
-              <a:t>Check electrical compatibility between the charge controller  and the adopted DC bus voltage</a:t>
+              <a:t>Check electrical compatibility: minimum current produced from panels and the charge controller current</a:t>
             </a:r>
             <a:endParaRPr lang="en-US" altLang="en-US" sz="1000">
               <a:sym typeface="+mn-ea"/>
@@ -3224,167 +3293,14 @@
       </p:sp>
       <p:sp>
         <p:nvSpPr>
-          <p:cNvPr id="20" name="Flowchart: Process 19"/>
+          <p:cNvPr id="25" name="Flowchart: Alternate Process 24"/>
           <p:cNvSpPr/>
           <p:nvPr/>
         </p:nvSpPr>
         <p:spPr>
           <a:xfrm>
-            <a:off x="2823210" y="3328670"/>
-            <a:ext cx="2530475" cy="391160"/>
-          </a:xfrm>
-          <a:prstGeom prst="flowChartProcess">
-            <a:avLst/>
-          </a:prstGeom>
-          <a:solidFill>
-            <a:schemeClr val="bg1">
-              <a:lumMod val="75000"/>
-            </a:schemeClr>
-          </a:solidFill>
-          <a:ln>
-            <a:solidFill>
-              <a:schemeClr val="tx1"/>
-            </a:solidFill>
-          </a:ln>
-        </p:spPr>
-        <p:style>
-          <a:lnRef idx="2">
-            <a:schemeClr val="accent6"/>
-          </a:lnRef>
-          <a:fillRef idx="1">
-            <a:schemeClr val="lt1"/>
-          </a:fillRef>
-          <a:effectRef idx="0">
-            <a:schemeClr val="accent6"/>
-          </a:effectRef>
-          <a:fontRef idx="minor">
-            <a:schemeClr val="dk1"/>
-          </a:fontRef>
-        </p:style>
-        <p:txBody>
-          <a:bodyPr rtlCol="0" anchor="ctr"/>
-          <a:p>
-            <a:pPr algn="ctr"/>
-            <a:r>
-              <a:rPr lang="en-US" altLang="en-US" sz="1000"/>
-              <a:t>Calculate the minimum energy from DC-bus</a:t>
-            </a:r>
-            <a:endParaRPr lang="en-US" altLang="en-US" sz="1000"/>
-          </a:p>
-        </p:txBody>
-      </p:sp>
-      <p:sp>
-        <p:nvSpPr>
-          <p:cNvPr id="21" name="Flowchart: Process 20"/>
-          <p:cNvSpPr/>
-          <p:nvPr/>
-        </p:nvSpPr>
-        <p:spPr>
-          <a:xfrm>
-            <a:off x="2827020" y="3847465"/>
-            <a:ext cx="2530475" cy="391160"/>
-          </a:xfrm>
-          <a:prstGeom prst="flowChartProcess">
-            <a:avLst/>
-          </a:prstGeom>
-          <a:solidFill>
-            <a:schemeClr val="bg1">
-              <a:lumMod val="75000"/>
-            </a:schemeClr>
-          </a:solidFill>
-          <a:ln>
-            <a:solidFill>
-              <a:schemeClr val="tx1"/>
-            </a:solidFill>
-          </a:ln>
-        </p:spPr>
-        <p:style>
-          <a:lnRef idx="2">
-            <a:schemeClr val="accent6"/>
-          </a:lnRef>
-          <a:fillRef idx="1">
-            <a:schemeClr val="lt1"/>
-          </a:fillRef>
-          <a:effectRef idx="0">
-            <a:schemeClr val="accent6"/>
-          </a:effectRef>
-          <a:fontRef idx="minor">
-            <a:schemeClr val="dk1"/>
-          </a:fontRef>
-        </p:style>
-        <p:txBody>
-          <a:bodyPr rtlCol="0" anchor="ctr"/>
-          <a:p>
-            <a:pPr algn="ctr"/>
-            <a:r>
-              <a:rPr lang="en-US" altLang="en-US" sz="1000"/>
-              <a:t>Calculate the battery bank capacity</a:t>
-            </a:r>
-            <a:endParaRPr lang="en-US" altLang="en-US" sz="1000"/>
-          </a:p>
-        </p:txBody>
-      </p:sp>
-      <p:sp>
-        <p:nvSpPr>
-          <p:cNvPr id="22" name="Flowchart: Process 21"/>
-          <p:cNvSpPr/>
-          <p:nvPr/>
-        </p:nvSpPr>
-        <p:spPr>
-          <a:xfrm>
-            <a:off x="2820035" y="4323080"/>
-            <a:ext cx="2530475" cy="391160"/>
-          </a:xfrm>
-          <a:prstGeom prst="flowChartProcess">
-            <a:avLst/>
-          </a:prstGeom>
-          <a:solidFill>
-            <a:schemeClr val="bg1">
-              <a:lumMod val="75000"/>
-            </a:schemeClr>
-          </a:solidFill>
-          <a:ln>
-            <a:solidFill>
-              <a:schemeClr val="tx1"/>
-            </a:solidFill>
-          </a:ln>
-        </p:spPr>
-        <p:style>
-          <a:lnRef idx="2">
-            <a:schemeClr val="accent6"/>
-          </a:lnRef>
-          <a:fillRef idx="1">
-            <a:schemeClr val="lt1"/>
-          </a:fillRef>
-          <a:effectRef idx="0">
-            <a:schemeClr val="accent6"/>
-          </a:effectRef>
-          <a:fontRef idx="minor">
-            <a:schemeClr val="dk1"/>
-          </a:fontRef>
-        </p:style>
-        <p:txBody>
-          <a:bodyPr rtlCol="0" anchor="ctr"/>
-          <a:p>
-            <a:pPr algn="ctr"/>
-            <a:r>
-              <a:rPr lang="en-US" altLang="en-US" sz="1000"/>
-              <a:t>Define arrangement of batteries in series and parallel</a:t>
-            </a:r>
-            <a:endParaRPr lang="en-US" altLang="en-US" sz="1000"/>
-          </a:p>
-        </p:txBody>
-      </p:sp>
-      <p:sp>
-        <p:nvSpPr>
-          <p:cNvPr id="23" name="Flowchart: Alternate Process 22"/>
-          <p:cNvSpPr/>
-          <p:nvPr/>
-        </p:nvSpPr>
-        <p:spPr>
-          <a:xfrm>
-            <a:off x="2820035" y="5389880"/>
-            <a:ext cx="2529840" cy="586105"/>
+            <a:off x="2827655" y="7587615"/>
+            <a:ext cx="2529840" cy="478790"/>
           </a:xfrm>
           <a:prstGeom prst="flowChartAlternateProcess">
             <a:avLst/>
@@ -3424,114 +3340,6 @@
               <a:rPr lang="en-US" altLang="en-US" sz="1000">
                 <a:sym typeface="+mn-ea"/>
               </a:rPr>
-              <a:t>Check electrical compatibility: minimum current produced from panels and the charge controller current</a:t>
-            </a:r>
-            <a:endParaRPr lang="en-US" altLang="en-US" sz="1000">
-              <a:sym typeface="+mn-ea"/>
-            </a:endParaRPr>
-          </a:p>
-        </p:txBody>
-      </p:sp>
-      <p:sp>
-        <p:nvSpPr>
-          <p:cNvPr id="24" name="Flowchart: Process 23"/>
-          <p:cNvSpPr/>
-          <p:nvPr/>
-        </p:nvSpPr>
-        <p:spPr>
-          <a:xfrm>
-            <a:off x="2823210" y="6087745"/>
-            <a:ext cx="2530475" cy="391160"/>
-          </a:xfrm>
-          <a:prstGeom prst="flowChartProcess">
-            <a:avLst/>
-          </a:prstGeom>
-          <a:solidFill>
-            <a:schemeClr val="bg1">
-              <a:lumMod val="75000"/>
-            </a:schemeClr>
-          </a:solidFill>
-          <a:ln>
-            <a:solidFill>
-              <a:schemeClr val="tx1"/>
-            </a:solidFill>
-          </a:ln>
-        </p:spPr>
-        <p:style>
-          <a:lnRef idx="2">
-            <a:schemeClr val="accent6"/>
-          </a:lnRef>
-          <a:fillRef idx="1">
-            <a:schemeClr val="lt1"/>
-          </a:fillRef>
-          <a:effectRef idx="0">
-            <a:schemeClr val="accent6"/>
-          </a:effectRef>
-          <a:fontRef idx="minor">
-            <a:schemeClr val="dk1"/>
-          </a:fontRef>
-        </p:style>
-        <p:txBody>
-          <a:bodyPr rtlCol="0" anchor="ctr"/>
-          <a:p>
-            <a:pPr algn="ctr"/>
-            <a:r>
-              <a:rPr lang="en-US" altLang="en-US" sz="1000"/>
-              <a:t>Define number of charge controllers</a:t>
-            </a:r>
-            <a:endParaRPr lang="en-US" altLang="en-US" sz="1000"/>
-          </a:p>
-        </p:txBody>
-      </p:sp>
-      <p:sp>
-        <p:nvSpPr>
-          <p:cNvPr id="25" name="Flowchart: Alternate Process 24"/>
-          <p:cNvSpPr/>
-          <p:nvPr/>
-        </p:nvSpPr>
-        <p:spPr>
-          <a:xfrm>
-            <a:off x="2827655" y="6597015"/>
-            <a:ext cx="2529840" cy="478790"/>
-          </a:xfrm>
-          <a:prstGeom prst="flowChartAlternateProcess">
-            <a:avLst/>
-          </a:prstGeom>
-          <a:solidFill>
-            <a:schemeClr val="bg1">
-              <a:lumMod val="50000"/>
-            </a:schemeClr>
-          </a:solidFill>
-          <a:ln>
-            <a:solidFill>
-              <a:schemeClr val="tx1"/>
-            </a:solidFill>
-          </a:ln>
-        </p:spPr>
-        <p:style>
-          <a:lnRef idx="2">
-            <a:schemeClr val="accent1">
-              <a:shade val="50000"/>
-            </a:schemeClr>
-          </a:lnRef>
-          <a:fillRef idx="1">
-            <a:schemeClr val="accent1"/>
-          </a:fillRef>
-          <a:effectRef idx="0">
-            <a:schemeClr val="accent1"/>
-          </a:effectRef>
-          <a:fontRef idx="minor">
-            <a:schemeClr val="lt1"/>
-          </a:fontRef>
-        </p:style>
-        <p:txBody>
-          <a:bodyPr rtlCol="0" anchor="ctr"/>
-          <a:p>
-            <a:pPr algn="ctr"/>
-            <a:r>
-              <a:rPr lang="en-US" altLang="en-US" sz="1000">
-                <a:sym typeface="+mn-ea"/>
-              </a:rPr>
               <a:t>Check electrical compatibility between DC inverter voltage and DC bus voltage</a:t>
             </a:r>
             <a:endParaRPr lang="en-US" altLang="en-US" sz="1000">
@@ -3662,7 +3470,7 @@
         </p:nvCxnSpPr>
         <p:spPr>
           <a:xfrm rot="5400000" flipV="1">
-            <a:off x="4058920" y="4286885"/>
+            <a:off x="4058920" y="4810760"/>
             <a:ext cx="99695" cy="3175"/>
           </a:xfrm>
           <a:prstGeom prst="bentConnector3">
@@ -3700,7 +3508,7 @@
         </p:nvCxnSpPr>
         <p:spPr>
           <a:xfrm rot="5400000" flipV="1">
-            <a:off x="4031615" y="2757170"/>
+            <a:off x="4031615" y="3289935"/>
             <a:ext cx="99695" cy="3175"/>
           </a:xfrm>
           <a:prstGeom prst="bentConnector3">
@@ -3740,7 +3548,7 @@
         </p:nvCxnSpPr>
         <p:spPr>
           <a:xfrm rot="5400000">
-            <a:off x="4023360" y="3782060"/>
+            <a:off x="4023360" y="4315460"/>
             <a:ext cx="127635" cy="3175"/>
           </a:xfrm>
           <a:prstGeom prst="bentConnector3">
@@ -3778,7 +3586,7 @@
         </p:nvCxnSpPr>
         <p:spPr>
           <a:xfrm rot="5400000" flipV="1">
-            <a:off x="4062095" y="4762500"/>
+            <a:off x="4062095" y="5286375"/>
             <a:ext cx="99695" cy="3175"/>
           </a:xfrm>
           <a:prstGeom prst="bentConnector3">
@@ -3816,7 +3624,7 @@
         </p:nvCxnSpPr>
         <p:spPr>
           <a:xfrm rot="5400000" flipV="1">
-            <a:off x="4058920" y="5332095"/>
+            <a:off x="4058920" y="5855970"/>
             <a:ext cx="99695" cy="3175"/>
           </a:xfrm>
           <a:prstGeom prst="bentConnector3">
@@ -3854,7 +3662,7 @@
         </p:nvCxnSpPr>
         <p:spPr>
           <a:xfrm rot="5400000" flipV="1">
-            <a:off x="4065270" y="6024245"/>
+            <a:off x="4065270" y="7045960"/>
             <a:ext cx="99695" cy="3175"/>
           </a:xfrm>
           <a:prstGeom prst="bentConnector3">
@@ -3887,16 +3695,20 @@
       <p:cxnSp>
         <p:nvCxnSpPr>
           <p:cNvPr id="40" name="Elbow Connector 39"/>
-          <p:cNvCxnSpPr/>
+          <p:cNvCxnSpPr>
+            <a:stCxn id="8" idx="2"/>
+          </p:cNvCxnSpPr>
           <p:nvPr/>
         </p:nvCxnSpPr>
         <p:spPr>
           <a:xfrm rot="5400000">
-            <a:off x="4021455" y="3254375"/>
-            <a:ext cx="110490" cy="3175"/>
-          </a:xfrm>
-          <a:prstGeom prst="bentConnector2">
-            <a:avLst/>
+            <a:off x="4014470" y="3803650"/>
+            <a:ext cx="129540" cy="6985"/>
+          </a:xfrm>
+          <a:prstGeom prst="bentConnector3">
+            <a:avLst>
+              <a:gd name="adj1" fmla="val 49755"/>
+            </a:avLst>
           </a:prstGeom>
           <a:ln w="0">
             <a:solidFill>
@@ -3928,7 +3740,7 @@
         </p:nvCxnSpPr>
         <p:spPr>
           <a:xfrm rot="5400000" flipV="1">
-            <a:off x="4058920" y="6545580"/>
+            <a:off x="4058920" y="7536180"/>
             <a:ext cx="99695" cy="3175"/>
           </a:xfrm>
           <a:prstGeom prst="bentConnector3">
@@ -4012,7 +3824,7 @@
         </p:nvSpPr>
         <p:spPr>
           <a:xfrm>
-            <a:off x="5490210" y="2195195"/>
+            <a:off x="5490210" y="2719070"/>
             <a:ext cx="1264920" cy="615315"/>
           </a:xfrm>
           <a:prstGeom prst="leftArrow">
@@ -4058,7 +3870,7 @@
         </p:nvSpPr>
         <p:spPr>
           <a:xfrm>
-            <a:off x="5487035" y="4669790"/>
+            <a:off x="5487035" y="5193665"/>
             <a:ext cx="1264920" cy="615315"/>
           </a:xfrm>
           <a:prstGeom prst="leftArrow">
@@ -4141,7 +3953,7 @@
             <a:pPr algn="ctr"/>
             <a:r>
               <a:rPr lang="en-US" altLang="en-US" sz="1000"/>
-              <a:t>Correct energy demand, according with equipment efficiency</a:t>
+              <a:t>i - Correct energy demand, according with equipment efficiency</a:t>
             </a:r>
             <a:endParaRPr lang="en-US" altLang="en-US" sz="1000"/>
           </a:p>
@@ -4192,7 +4004,7 @@
             <a:pPr algn="ctr"/>
             <a:r>
               <a:rPr lang="en-US" altLang="en-US" sz="1000"/>
-              <a:t>Calculate minimum power to be provided from PV panels, according with weather information and standard electrical losses</a:t>
+              <a:t>ii - Calculate minimum power to be provided from PV panels, according with weather information and standard electrical losses</a:t>
             </a:r>
             <a:endParaRPr lang="en-US" altLang="en-US" sz="1000"/>
           </a:p>
@@ -4243,7 +4055,7 @@
             <a:pPr algn="ctr"/>
             <a:r>
               <a:rPr lang="en-US" altLang="en-US" sz="1000"/>
-              <a:t>Define arrangement of PV panels in series and parallel</a:t>
+              <a:t>iii - Define arrangement of PV panels in series and parallel</a:t>
             </a:r>
             <a:endParaRPr lang="en-US" altLang="en-US" sz="1000"/>
           </a:p>
@@ -4257,8 +4069,8 @@
         </p:nvSpPr>
         <p:spPr>
           <a:xfrm>
-            <a:off x="16510" y="3133725"/>
-            <a:ext cx="1998345" cy="1113790"/>
+            <a:off x="8890" y="4190365"/>
+            <a:ext cx="1998345" cy="1435735"/>
           </a:xfrm>
           <a:prstGeom prst="flowChartInputOutput">
             <a:avLst/>
@@ -4285,15 +4097,27 @@
         </p:style>
         <p:txBody>
           <a:bodyPr rtlCol="0" anchor="ctr"/>
+          <a:p>
+            <a:pPr algn="ctr"/>
+            <a:r>
+              <a:rPr lang="en-US" altLang="en-US" sz="1000" b="1">
+                <a:sym typeface="+mn-ea"/>
+              </a:rPr>
+              <a:t>Weather information from local:</a:t>
+            </a:r>
+            <a:endParaRPr lang="en-US" altLang="en-US" sz="1000"/>
+          </a:p>
           <a:p>
             <a:pPr algn="ctr"/>
             <a:r>
               <a:rPr lang="en-US" altLang="en-US" sz="1000">
                 <a:sym typeface="+mn-ea"/>
               </a:rPr>
-              <a:t>Weather information:</a:t>
-            </a:r>
-            <a:endParaRPr lang="en-US" altLang="en-US" sz="1000"/>
+              <a:t>Solar irradiation/ insolation</a:t>
+            </a:r>
+            <a:endParaRPr lang="en-US" altLang="en-US" sz="1000">
+              <a:sym typeface="+mn-ea"/>
+            </a:endParaRPr>
           </a:p>
           <a:p>
             <a:pPr algn="ctr"/>
@@ -4301,7 +4125,7 @@
               <a:rPr lang="en-US" altLang="en-US" sz="1000">
                 <a:sym typeface="+mn-ea"/>
               </a:rPr>
-              <a:t>solar irradiation/ insolation (local)</a:t>
+              <a:t>Field temperature</a:t>
             </a:r>
             <a:endParaRPr lang="en-US" altLang="en-US" sz="1000">
               <a:sym typeface="+mn-ea"/>
@@ -4317,7 +4141,7 @@
         </p:nvSpPr>
         <p:spPr>
           <a:xfrm>
-            <a:off x="81915" y="5586730"/>
+            <a:off x="83185" y="5703570"/>
             <a:ext cx="1849120" cy="1094740"/>
           </a:xfrm>
           <a:prstGeom prst="flowChartInputOutput">
@@ -4348,24 +4172,12 @@
           <a:p>
             <a:pPr algn="ctr"/>
             <a:r>
-              <a:rPr lang="en-US" altLang="en-US" sz="1000">
+              <a:rPr lang="en-US" altLang="en-US" sz="1000" b="1">
                 <a:sym typeface="+mn-ea"/>
               </a:rPr>
-              <a:t>Each equipment item </a:t>
-            </a:r>
-            <a:r>
-              <a:rPr lang="" altLang="en-US" sz="1000">
-                <a:sym typeface="+mn-ea"/>
-              </a:rPr>
-              <a:t>from PV system</a:t>
-            </a:r>
-            <a:r>
-              <a:rPr lang="en-US" altLang="en-US" sz="1000">
-                <a:sym typeface="+mn-ea"/>
-              </a:rPr>
-              <a:t>:</a:t>
-            </a:r>
-            <a:endParaRPr lang="en-US" altLang="en-US" sz="1000"/>
+              <a:t>Each equipment item from PV system:</a:t>
+            </a:r>
+            <a:endParaRPr lang="en-US" altLang="en-US" sz="1000" b="1"/>
           </a:p>
           <a:p>
             <a:pPr algn="ctr"/>
@@ -4383,13 +4195,72 @@
       </p:sp>
       <p:sp>
         <p:nvSpPr>
-          <p:cNvPr id="7" name="Flowchart: Alternate Process 6"/>
+          <p:cNvPr id="8" name="Flowchart: Process 7"/>
           <p:cNvSpPr/>
           <p:nvPr/>
         </p:nvSpPr>
         <p:spPr>
           <a:xfrm>
-            <a:off x="2817495" y="2214880"/>
+            <a:off x="2817495" y="3351530"/>
+            <a:ext cx="2530475" cy="391160"/>
+          </a:xfrm>
+          <a:prstGeom prst="flowChartProcess">
+            <a:avLst/>
+          </a:prstGeom>
+          <a:solidFill>
+            <a:schemeClr val="bg1">
+              <a:lumMod val="75000"/>
+            </a:schemeClr>
+          </a:solidFill>
+          <a:ln>
+            <a:solidFill>
+              <a:schemeClr val="tx1"/>
+            </a:solidFill>
+          </a:ln>
+        </p:spPr>
+        <p:style>
+          <a:lnRef idx="2">
+            <a:schemeClr val="accent6"/>
+          </a:lnRef>
+          <a:fillRef idx="1">
+            <a:schemeClr val="lt1"/>
+          </a:fillRef>
+          <a:effectRef idx="0">
+            <a:schemeClr val="accent6"/>
+          </a:effectRef>
+          <a:fontRef idx="minor">
+            <a:schemeClr val="dk1"/>
+          </a:fontRef>
+        </p:style>
+        <p:txBody>
+          <a:bodyPr rtlCol="0" anchor="ctr"/>
+          <a:p>
+            <a:pPr algn="ctr"/>
+            <a:r>
+              <a:rPr lang="en-US" altLang="en-US" sz="1000"/>
+              <a:t>v</a:t>
+            </a:r>
+            <a:r>
+              <a:rPr lang="" altLang="en-US" sz="1000"/>
+              <a:t>i</a:t>
+            </a:r>
+            <a:r>
+              <a:rPr lang="en-US" altLang="en-US" sz="1000"/>
+              <a:t> - Calculate energy demand from batteries</a:t>
+            </a:r>
+            <a:endParaRPr lang="en-US" altLang="en-US" sz="1000"/>
+          </a:p>
+        </p:txBody>
+      </p:sp>
+      <p:sp>
+        <p:nvSpPr>
+          <p:cNvPr id="12" name="Flowchart: Alternate Process 11"/>
+          <p:cNvSpPr/>
+          <p:nvPr/>
+        </p:nvSpPr>
+        <p:spPr>
+          <a:xfrm>
+            <a:off x="2811145" y="5328920"/>
             <a:ext cx="2529840" cy="478790"/>
           </a:xfrm>
           <a:prstGeom prst="flowChartAlternateProcess">
@@ -4430,7 +4301,7 @@
               <a:rPr lang="en-US" altLang="en-US" sz="1000">
                 <a:sym typeface="+mn-ea"/>
               </a:rPr>
-              <a:t>Check electrical compatibility between PV panels arrangement  and charge controller</a:t>
+              <a:t>x - Check electrical compatibility between the charge controller  and the adopted DC bus voltage</a:t>
             </a:r>
             <a:endParaRPr lang="en-US" altLang="en-US" sz="1000">
               <a:sym typeface="+mn-ea"/>
@@ -4440,13 +4311,13 @@
       </p:sp>
       <p:sp>
         <p:nvSpPr>
-          <p:cNvPr id="8" name="Flowchart: Process 7"/>
+          <p:cNvPr id="28" name="Flowchart: Process 27"/>
           <p:cNvSpPr/>
           <p:nvPr/>
         </p:nvSpPr>
         <p:spPr>
           <a:xfrm>
-            <a:off x="2817495" y="2808605"/>
+            <a:off x="2813685" y="3862070"/>
             <a:ext cx="2530475" cy="391160"/>
           </a:xfrm>
           <a:prstGeom prst="flowChartProcess">
@@ -4483,7 +4354,15 @@
             <a:pPr algn="ctr"/>
             <a:r>
               <a:rPr lang="en-US" altLang="en-US" sz="1000"/>
-              <a:t>Calculate energy demand from batteries</a:t>
+              <a:t>vi</a:t>
+            </a:r>
+            <a:r>
+              <a:rPr lang="" altLang="en-US" sz="1000"/>
+              <a:t>i</a:t>
+            </a:r>
+            <a:r>
+              <a:rPr lang="en-US" altLang="en-US" sz="1000"/>
+              <a:t> - Calculate the minimum energy from DC-bus</a:t>
             </a:r>
             <a:endParaRPr lang="en-US" altLang="en-US" sz="1000"/>
           </a:p>
@@ -4491,14 +4370,132 @@
       </p:sp>
       <p:sp>
         <p:nvSpPr>
-          <p:cNvPr id="12" name="Flowchart: Alternate Process 11"/>
+          <p:cNvPr id="29" name="Flowchart: Process 28"/>
           <p:cNvSpPr/>
           <p:nvPr/>
         </p:nvSpPr>
         <p:spPr>
           <a:xfrm>
-            <a:off x="2811145" y="4805045"/>
-            <a:ext cx="2529840" cy="478790"/>
+            <a:off x="2817495" y="4371340"/>
+            <a:ext cx="2530475" cy="391160"/>
+          </a:xfrm>
+          <a:prstGeom prst="flowChartProcess">
+            <a:avLst/>
+          </a:prstGeom>
+          <a:solidFill>
+            <a:schemeClr val="bg1">
+              <a:lumMod val="75000"/>
+            </a:schemeClr>
+          </a:solidFill>
+          <a:ln>
+            <a:solidFill>
+              <a:schemeClr val="tx1"/>
+            </a:solidFill>
+          </a:ln>
+        </p:spPr>
+        <p:style>
+          <a:lnRef idx="2">
+            <a:schemeClr val="accent6"/>
+          </a:lnRef>
+          <a:fillRef idx="1">
+            <a:schemeClr val="lt1"/>
+          </a:fillRef>
+          <a:effectRef idx="0">
+            <a:schemeClr val="accent6"/>
+          </a:effectRef>
+          <a:fontRef idx="minor">
+            <a:schemeClr val="dk1"/>
+          </a:fontRef>
+        </p:style>
+        <p:txBody>
+          <a:bodyPr rtlCol="0" anchor="ctr"/>
+          <a:p>
+            <a:pPr algn="ctr"/>
+            <a:r>
+              <a:rPr lang="en-US" altLang="en-US" sz="1000"/>
+              <a:t>v</a:t>
+            </a:r>
+            <a:r>
+              <a:rPr lang="" altLang="en-US" sz="1000"/>
+              <a:t>i</a:t>
+            </a:r>
+            <a:r>
+              <a:rPr lang="en-US" altLang="en-US" sz="1000"/>
+              <a:t>ii - Calculate the battery bank capacity</a:t>
+            </a:r>
+            <a:endParaRPr lang="en-US" altLang="en-US" sz="1000"/>
+          </a:p>
+        </p:txBody>
+      </p:sp>
+      <p:sp>
+        <p:nvSpPr>
+          <p:cNvPr id="41" name="Flowchart: Process 40"/>
+          <p:cNvSpPr/>
+          <p:nvPr/>
+        </p:nvSpPr>
+        <p:spPr>
+          <a:xfrm>
+            <a:off x="2802255" y="5907405"/>
+            <a:ext cx="2530475" cy="391160"/>
+          </a:xfrm>
+          <a:prstGeom prst="flowChartProcess">
+            <a:avLst/>
+          </a:prstGeom>
+          <a:solidFill>
+            <a:schemeClr val="bg1">
+              <a:lumMod val="75000"/>
+            </a:schemeClr>
+          </a:solidFill>
+          <a:ln>
+            <a:solidFill>
+              <a:schemeClr val="tx1"/>
+            </a:solidFill>
+          </a:ln>
+        </p:spPr>
+        <p:style>
+          <a:lnRef idx="2">
+            <a:schemeClr val="accent6"/>
+          </a:lnRef>
+          <a:fillRef idx="1">
+            <a:schemeClr val="lt1"/>
+          </a:fillRef>
+          <a:effectRef idx="0">
+            <a:schemeClr val="accent6"/>
+          </a:effectRef>
+          <a:fontRef idx="minor">
+            <a:schemeClr val="dk1"/>
+          </a:fontRef>
+        </p:style>
+        <p:txBody>
+          <a:bodyPr rtlCol="0" anchor="ctr"/>
+          <a:p>
+            <a:pPr algn="ctr"/>
+            <a:r>
+              <a:rPr lang="en-US" altLang="en-US" sz="1000"/>
+              <a:t>x</a:t>
+            </a:r>
+            <a:r>
+              <a:rPr lang="" altLang="en-US" sz="1000"/>
+              <a:t>i</a:t>
+            </a:r>
+            <a:r>
+              <a:rPr lang="en-US" altLang="en-US" sz="1000"/>
+              <a:t> - Correct temperature from PV panels to the ambient temperature</a:t>
+            </a:r>
+            <a:endParaRPr lang="en-US" altLang="en-US" sz="1000"/>
+          </a:p>
+        </p:txBody>
+      </p:sp>
+      <p:sp>
+        <p:nvSpPr>
+          <p:cNvPr id="54" name="Flowchart: Alternate Process 53"/>
+          <p:cNvSpPr/>
+          <p:nvPr/>
+        </p:nvSpPr>
+        <p:spPr>
+          <a:xfrm>
+            <a:off x="2810510" y="6398260"/>
+            <a:ext cx="2529840" cy="586105"/>
           </a:xfrm>
           <a:prstGeom prst="flowChartAlternateProcess">
             <a:avLst/>
@@ -4538,7 +4535,19 @@
               <a:rPr lang="en-US" altLang="en-US" sz="1000">
                 <a:sym typeface="+mn-ea"/>
               </a:rPr>
-              <a:t>Check electrical compatibility between the charge controller  and the adopted DC bus voltage</a:t>
+              <a:t>xi</a:t>
+            </a:r>
+            <a:r>
+              <a:rPr lang="" altLang="en-US" sz="1000">
+                <a:sym typeface="+mn-ea"/>
+              </a:rPr>
+              <a:t>i</a:t>
+            </a:r>
+            <a:r>
+              <a:rPr lang="en-US" altLang="en-US" sz="1000">
+                <a:sym typeface="+mn-ea"/>
+              </a:rPr>
+              <a:t> - Check electrical compatibility: minimum current produced from panels and the charge controller current</a:t>
             </a:r>
             <a:endParaRPr lang="en-US" altLang="en-US" sz="1000">
               <a:sym typeface="+mn-ea"/>
@@ -4548,167 +4557,14 @@
       </p:sp>
       <p:sp>
         <p:nvSpPr>
-          <p:cNvPr id="28" name="Flowchart: Process 27"/>
+          <p:cNvPr id="56" name="Flowchart: Alternate Process 55"/>
           <p:cNvSpPr/>
           <p:nvPr/>
         </p:nvSpPr>
         <p:spPr>
           <a:xfrm>
-            <a:off x="2813685" y="3328670"/>
-            <a:ext cx="2530475" cy="391160"/>
-          </a:xfrm>
-          <a:prstGeom prst="flowChartProcess">
-            <a:avLst/>
-          </a:prstGeom>
-          <a:solidFill>
-            <a:schemeClr val="bg1">
-              <a:lumMod val="75000"/>
-            </a:schemeClr>
-          </a:solidFill>
-          <a:ln>
-            <a:solidFill>
-              <a:schemeClr val="tx1"/>
-            </a:solidFill>
-          </a:ln>
-        </p:spPr>
-        <p:style>
-          <a:lnRef idx="2">
-            <a:schemeClr val="accent6"/>
-          </a:lnRef>
-          <a:fillRef idx="1">
-            <a:schemeClr val="lt1"/>
-          </a:fillRef>
-          <a:effectRef idx="0">
-            <a:schemeClr val="accent6"/>
-          </a:effectRef>
-          <a:fontRef idx="minor">
-            <a:schemeClr val="dk1"/>
-          </a:fontRef>
-        </p:style>
-        <p:txBody>
-          <a:bodyPr rtlCol="0" anchor="ctr"/>
-          <a:p>
-            <a:pPr algn="ctr"/>
-            <a:r>
-              <a:rPr lang="en-US" altLang="en-US" sz="1000"/>
-              <a:t>Calculate the minimum energy from DC-bus</a:t>
-            </a:r>
-            <a:endParaRPr lang="en-US" altLang="en-US" sz="1000"/>
-          </a:p>
-        </p:txBody>
-      </p:sp>
-      <p:sp>
-        <p:nvSpPr>
-          <p:cNvPr id="29" name="Flowchart: Process 28"/>
-          <p:cNvSpPr/>
-          <p:nvPr/>
-        </p:nvSpPr>
-        <p:spPr>
-          <a:xfrm>
-            <a:off x="2817495" y="3847465"/>
-            <a:ext cx="2530475" cy="391160"/>
-          </a:xfrm>
-          <a:prstGeom prst="flowChartProcess">
-            <a:avLst/>
-          </a:prstGeom>
-          <a:solidFill>
-            <a:schemeClr val="bg1">
-              <a:lumMod val="75000"/>
-            </a:schemeClr>
-          </a:solidFill>
-          <a:ln>
-            <a:solidFill>
-              <a:schemeClr val="tx1"/>
-            </a:solidFill>
-          </a:ln>
-        </p:spPr>
-        <p:style>
-          <a:lnRef idx="2">
-            <a:schemeClr val="accent6"/>
-          </a:lnRef>
-          <a:fillRef idx="1">
-            <a:schemeClr val="lt1"/>
-          </a:fillRef>
-          <a:effectRef idx="0">
-            <a:schemeClr val="accent6"/>
-          </a:effectRef>
-          <a:fontRef idx="minor">
-            <a:schemeClr val="dk1"/>
-          </a:fontRef>
-        </p:style>
-        <p:txBody>
-          <a:bodyPr rtlCol="0" anchor="ctr"/>
-          <a:p>
-            <a:pPr algn="ctr"/>
-            <a:r>
-              <a:rPr lang="en-US" altLang="en-US" sz="1000"/>
-              <a:t>Calculate the battery bank capacity</a:t>
-            </a:r>
-            <a:endParaRPr lang="en-US" altLang="en-US" sz="1000"/>
-          </a:p>
-        </p:txBody>
-      </p:sp>
-      <p:sp>
-        <p:nvSpPr>
-          <p:cNvPr id="41" name="Flowchart: Process 40"/>
-          <p:cNvSpPr/>
-          <p:nvPr/>
-        </p:nvSpPr>
-        <p:spPr>
-          <a:xfrm>
-            <a:off x="2810510" y="4323080"/>
-            <a:ext cx="2530475" cy="391160"/>
-          </a:xfrm>
-          <a:prstGeom prst="flowChartProcess">
-            <a:avLst/>
-          </a:prstGeom>
-          <a:solidFill>
-            <a:schemeClr val="bg1">
-              <a:lumMod val="75000"/>
-            </a:schemeClr>
-          </a:solidFill>
-          <a:ln>
-            <a:solidFill>
-              <a:schemeClr val="tx1"/>
-            </a:solidFill>
-          </a:ln>
-        </p:spPr>
-        <p:style>
-          <a:lnRef idx="2">
-            <a:schemeClr val="accent6"/>
-          </a:lnRef>
-          <a:fillRef idx="1">
-            <a:schemeClr val="lt1"/>
-          </a:fillRef>
-          <a:effectRef idx="0">
-            <a:schemeClr val="accent6"/>
-          </a:effectRef>
-          <a:fontRef idx="minor">
-            <a:schemeClr val="dk1"/>
-          </a:fontRef>
-        </p:style>
-        <p:txBody>
-          <a:bodyPr rtlCol="0" anchor="ctr"/>
-          <a:p>
-            <a:pPr algn="ctr"/>
-            <a:r>
-              <a:rPr lang="en-US" altLang="en-US" sz="1000"/>
-              <a:t>Define arrangement of batteries in series and parallel</a:t>
-            </a:r>
-            <a:endParaRPr lang="en-US" altLang="en-US" sz="1000"/>
-          </a:p>
-        </p:txBody>
-      </p:sp>
-      <p:sp>
-        <p:nvSpPr>
-          <p:cNvPr id="54" name="Flowchart: Alternate Process 53"/>
-          <p:cNvSpPr/>
-          <p:nvPr/>
-        </p:nvSpPr>
-        <p:spPr>
-          <a:xfrm>
-            <a:off x="2810510" y="5389880"/>
-            <a:ext cx="2529840" cy="586105"/>
+            <a:off x="2818130" y="7587615"/>
+            <a:ext cx="2529840" cy="478790"/>
           </a:xfrm>
           <a:prstGeom prst="flowChartAlternateProcess">
             <a:avLst/>
@@ -4748,7 +4604,31 @@
               <a:rPr lang="en-US" altLang="en-US" sz="1000">
                 <a:sym typeface="+mn-ea"/>
               </a:rPr>
-              <a:t>Check electrical compatibility: minimum current produced from panels and the charge controller current</a:t>
+              <a:t>xi</a:t>
+            </a:r>
+            <a:r>
+              <a:rPr lang="" altLang="en-US" sz="1000">
+                <a:sym typeface="+mn-ea"/>
+              </a:rPr>
+              <a:t>v</a:t>
+            </a:r>
+            <a:r>
+              <a:rPr lang="en-US" altLang="en-US" sz="1000">
+                <a:sym typeface="+mn-ea"/>
+              </a:rPr>
+              <a:t> - Check electrical compatibility among inverter and other equipment or </a:t>
+            </a:r>
+            <a:r>
+              <a:rPr lang="" altLang="en-US" sz="1000">
+                <a:sym typeface="+mn-ea"/>
+              </a:rPr>
+              <a:t>house </a:t>
+            </a:r>
+            <a:r>
+              <a:rPr lang="en-US" altLang="en-US" sz="1000">
+                <a:sym typeface="+mn-ea"/>
+              </a:rPr>
+              <a:t>requirements</a:t>
             </a:r>
             <a:endParaRPr lang="en-US" altLang="en-US" sz="1000">
               <a:sym typeface="+mn-ea"/>
@@ -4758,23 +4638,18 @@
       </p:sp>
       <p:sp>
         <p:nvSpPr>
-          <p:cNvPr id="55" name="Flowchart: Process 54"/>
+          <p:cNvPr id="77" name="Left Arrow 76"/>
           <p:cNvSpPr/>
           <p:nvPr/>
         </p:nvSpPr>
         <p:spPr>
           <a:xfrm>
-            <a:off x="2813685" y="6087745"/>
-            <a:ext cx="2530475" cy="391160"/>
-          </a:xfrm>
-          <a:prstGeom prst="flowChartProcess">
+            <a:off x="5480685" y="1523365"/>
+            <a:ext cx="1261745" cy="615315"/>
+          </a:xfrm>
+          <a:prstGeom prst="leftArrow">
             <a:avLst/>
           </a:prstGeom>
-          <a:solidFill>
-            <a:schemeClr val="bg1">
-              <a:lumMod val="75000"/>
-            </a:schemeClr>
-          </a:solidFill>
           <a:ln>
             <a:solidFill>
               <a:schemeClr val="tx1"/>
@@ -4801,7 +4676,7 @@
             <a:pPr algn="ctr"/>
             <a:r>
               <a:rPr lang="en-US" altLang="en-US" sz="1000"/>
-              <a:t>Define number of charge controllers</a:t>
+              <a:t>Define PV panels config.</a:t>
             </a:r>
             <a:endParaRPr lang="en-US" altLang="en-US" sz="1000"/>
           </a:p>
@@ -4809,507 +4684,14 @@
       </p:sp>
       <p:sp>
         <p:nvSpPr>
-          <p:cNvPr id="56" name="Flowchart: Alternate Process 55"/>
+          <p:cNvPr id="78" name="Left Arrow 77"/>
           <p:cNvSpPr/>
           <p:nvPr/>
         </p:nvSpPr>
         <p:spPr>
           <a:xfrm>
-            <a:off x="2818130" y="6597015"/>
-            <a:ext cx="2529840" cy="478790"/>
-          </a:xfrm>
-          <a:prstGeom prst="flowChartAlternateProcess">
-            <a:avLst/>
-          </a:prstGeom>
-          <a:solidFill>
-            <a:schemeClr val="bg1">
-              <a:lumMod val="50000"/>
-            </a:schemeClr>
-          </a:solidFill>
-          <a:ln>
-            <a:solidFill>
-              <a:schemeClr val="tx1"/>
-            </a:solidFill>
-          </a:ln>
-        </p:spPr>
-        <p:style>
-          <a:lnRef idx="2">
-            <a:schemeClr val="accent1">
-              <a:shade val="50000"/>
-            </a:schemeClr>
-          </a:lnRef>
-          <a:fillRef idx="1">
-            <a:schemeClr val="accent1"/>
-          </a:fillRef>
-          <a:effectRef idx="0">
-            <a:schemeClr val="accent1"/>
-          </a:effectRef>
-          <a:fontRef idx="minor">
-            <a:schemeClr val="lt1"/>
-          </a:fontRef>
-        </p:style>
-        <p:txBody>
-          <a:bodyPr rtlCol="0" anchor="ctr"/>
-          <a:p>
-            <a:pPr algn="ctr"/>
-            <a:r>
-              <a:rPr lang="en-US" altLang="en-US" sz="1000">
-                <a:sym typeface="+mn-ea"/>
-              </a:rPr>
-              <a:t>Check electrical compatibility </a:t>
-            </a:r>
-            <a:r>
-              <a:rPr lang="" altLang="en-US" sz="1000">
-                <a:sym typeface="+mn-ea"/>
-              </a:rPr>
-              <a:t>among </a:t>
-            </a:r>
-            <a:r>
-              <a:rPr lang="en-US" altLang="en-US" sz="1000" u="sng">
-                <a:sym typeface="+mn-ea"/>
-              </a:rPr>
-              <a:t>inverter </a:t>
-            </a:r>
-            <a:r>
-              <a:rPr lang="" altLang="en-US" sz="1000" u="sng">
-                <a:sym typeface="+mn-ea"/>
-              </a:rPr>
-              <a:t>and other equipment or requirements</a:t>
-            </a:r>
-            <a:endParaRPr lang="" altLang="en-US" sz="1000" u="sng">
-              <a:sym typeface="+mn-ea"/>
-            </a:endParaRPr>
-          </a:p>
-        </p:txBody>
-      </p:sp>
-      <p:cxnSp>
-        <p:nvCxnSpPr>
-          <p:cNvPr id="60" name="Elbow Connector 59"/>
-          <p:cNvCxnSpPr/>
-          <p:nvPr/>
-        </p:nvCxnSpPr>
-        <p:spPr>
-          <a:xfrm rot="5400000" flipV="1">
-            <a:off x="4033520" y="918845"/>
-            <a:ext cx="99695" cy="3175"/>
-          </a:xfrm>
-          <a:prstGeom prst="bentConnector3">
-            <a:avLst>
-              <a:gd name="adj1" fmla="val 50318"/>
-            </a:avLst>
-          </a:prstGeom>
-          <a:ln w="0">
-            <a:solidFill>
-              <a:schemeClr val="dk1"/>
-            </a:solidFill>
-            <a:tailEnd type="triangle" w="med" len="med"/>
-          </a:ln>
-        </p:spPr>
-        <p:style>
-          <a:lnRef idx="1">
-            <a:schemeClr val="dk1"/>
-          </a:lnRef>
-          <a:fillRef idx="0">
-            <a:schemeClr val="dk1"/>
-          </a:fillRef>
-          <a:effectRef idx="0">
-            <a:schemeClr val="dk1"/>
-          </a:effectRef>
-          <a:fontRef idx="minor">
-            <a:schemeClr val="tx1"/>
-          </a:fontRef>
-        </p:style>
-      </p:cxnSp>
-      <p:cxnSp>
-        <p:nvCxnSpPr>
-          <p:cNvPr id="61" name="Elbow Connector 60"/>
-          <p:cNvCxnSpPr/>
-          <p:nvPr/>
-        </p:nvCxnSpPr>
-        <p:spPr>
-          <a:xfrm rot="5400000" flipV="1">
-            <a:off x="4036695" y="1668145"/>
-            <a:ext cx="99695" cy="3175"/>
-          </a:xfrm>
-          <a:prstGeom prst="bentConnector3">
-            <a:avLst>
-              <a:gd name="adj1" fmla="val 50318"/>
-            </a:avLst>
-          </a:prstGeom>
-          <a:ln w="0">
-            <a:solidFill>
-              <a:schemeClr val="dk1"/>
-            </a:solidFill>
-            <a:tailEnd type="triangle" w="med" len="med"/>
-          </a:ln>
-        </p:spPr>
-        <p:style>
-          <a:lnRef idx="1">
-            <a:schemeClr val="dk1"/>
-          </a:lnRef>
-          <a:fillRef idx="0">
-            <a:schemeClr val="dk1"/>
-          </a:fillRef>
-          <a:effectRef idx="0">
-            <a:schemeClr val="dk1"/>
-          </a:effectRef>
-          <a:fontRef idx="minor">
-            <a:schemeClr val="tx1"/>
-          </a:fontRef>
-        </p:style>
-      </p:cxnSp>
-      <p:cxnSp>
-        <p:nvCxnSpPr>
-          <p:cNvPr id="62" name="Elbow Connector 61"/>
-          <p:cNvCxnSpPr/>
-          <p:nvPr/>
-        </p:nvCxnSpPr>
-        <p:spPr>
-          <a:xfrm rot="5400000" flipV="1">
-            <a:off x="4025265" y="2163445"/>
-            <a:ext cx="99695" cy="3175"/>
-          </a:xfrm>
-          <a:prstGeom prst="bentConnector3">
-            <a:avLst>
-              <a:gd name="adj1" fmla="val 50318"/>
-            </a:avLst>
-          </a:prstGeom>
-          <a:ln w="0">
-            <a:solidFill>
-              <a:schemeClr val="dk1"/>
-            </a:solidFill>
-            <a:tailEnd type="triangle" w="med" len="med"/>
-          </a:ln>
-        </p:spPr>
-        <p:style>
-          <a:lnRef idx="1">
-            <a:schemeClr val="dk1"/>
-          </a:lnRef>
-          <a:fillRef idx="0">
-            <a:schemeClr val="dk1"/>
-          </a:fillRef>
-          <a:effectRef idx="0">
-            <a:schemeClr val="dk1"/>
-          </a:effectRef>
-          <a:fontRef idx="minor">
-            <a:schemeClr val="tx1"/>
-          </a:fontRef>
-        </p:style>
-      </p:cxnSp>
-      <p:cxnSp>
-        <p:nvCxnSpPr>
-          <p:cNvPr id="63" name="Elbow Connector 62"/>
-          <p:cNvCxnSpPr/>
-          <p:nvPr/>
-        </p:nvCxnSpPr>
-        <p:spPr>
-          <a:xfrm rot="5400000" flipV="1">
-            <a:off x="4049395" y="4286885"/>
-            <a:ext cx="99695" cy="3175"/>
-          </a:xfrm>
-          <a:prstGeom prst="bentConnector3">
-            <a:avLst>
-              <a:gd name="adj1" fmla="val 50318"/>
-            </a:avLst>
-          </a:prstGeom>
-          <a:ln w="0">
-            <a:solidFill>
-              <a:schemeClr val="dk1"/>
-            </a:solidFill>
-            <a:tailEnd type="triangle" w="med" len="med"/>
-          </a:ln>
-        </p:spPr>
-        <p:style>
-          <a:lnRef idx="1">
-            <a:schemeClr val="dk1"/>
-          </a:lnRef>
-          <a:fillRef idx="0">
-            <a:schemeClr val="dk1"/>
-          </a:fillRef>
-          <a:effectRef idx="0">
-            <a:schemeClr val="dk1"/>
-          </a:effectRef>
-          <a:fontRef idx="minor">
-            <a:schemeClr val="tx1"/>
-          </a:fontRef>
-        </p:style>
-      </p:cxnSp>
-      <p:cxnSp>
-        <p:nvCxnSpPr>
-          <p:cNvPr id="64" name="Elbow Connector 63"/>
-          <p:cNvCxnSpPr/>
-          <p:nvPr/>
-        </p:nvCxnSpPr>
-        <p:spPr>
-          <a:xfrm rot="5400000" flipV="1">
-            <a:off x="4022090" y="2757170"/>
-            <a:ext cx="99695" cy="3175"/>
-          </a:xfrm>
-          <a:prstGeom prst="bentConnector3">
-            <a:avLst>
-              <a:gd name="adj1" fmla="val 50318"/>
-            </a:avLst>
-          </a:prstGeom>
-          <a:ln w="0">
-            <a:solidFill>
-              <a:schemeClr val="dk1"/>
-            </a:solidFill>
-            <a:tailEnd type="triangle" w="med" len="med"/>
-          </a:ln>
-        </p:spPr>
-        <p:style>
-          <a:lnRef idx="1">
-            <a:schemeClr val="dk1"/>
-          </a:lnRef>
-          <a:fillRef idx="0">
-            <a:schemeClr val="dk1"/>
-          </a:fillRef>
-          <a:effectRef idx="0">
-            <a:schemeClr val="dk1"/>
-          </a:effectRef>
-          <a:fontRef idx="minor">
-            <a:schemeClr val="tx1"/>
-          </a:fontRef>
-        </p:style>
-      </p:cxnSp>
-      <p:cxnSp>
-        <p:nvCxnSpPr>
-          <p:cNvPr id="65" name="Elbow Connector 64"/>
-          <p:cNvCxnSpPr>
-            <a:stCxn id="28" idx="2"/>
-          </p:cNvCxnSpPr>
-          <p:nvPr/>
-        </p:nvCxnSpPr>
-        <p:spPr>
-          <a:xfrm rot="5400000">
-            <a:off x="4013835" y="3782060"/>
-            <a:ext cx="127635" cy="3175"/>
-          </a:xfrm>
-          <a:prstGeom prst="bentConnector3">
-            <a:avLst>
-              <a:gd name="adj1" fmla="val 50000"/>
-            </a:avLst>
-          </a:prstGeom>
-          <a:ln w="0">
-            <a:solidFill>
-              <a:schemeClr val="dk1"/>
-            </a:solidFill>
-            <a:tailEnd type="triangle" w="med" len="med"/>
-          </a:ln>
-        </p:spPr>
-        <p:style>
-          <a:lnRef idx="1">
-            <a:schemeClr val="dk1"/>
-          </a:lnRef>
-          <a:fillRef idx="0">
-            <a:schemeClr val="dk1"/>
-          </a:fillRef>
-          <a:effectRef idx="0">
-            <a:schemeClr val="dk1"/>
-          </a:effectRef>
-          <a:fontRef idx="minor">
-            <a:schemeClr val="tx1"/>
-          </a:fontRef>
-        </p:style>
-      </p:cxnSp>
-      <p:cxnSp>
-        <p:nvCxnSpPr>
-          <p:cNvPr id="66" name="Elbow Connector 65"/>
-          <p:cNvCxnSpPr/>
-          <p:nvPr/>
-        </p:nvCxnSpPr>
-        <p:spPr>
-          <a:xfrm rot="5400000" flipV="1">
-            <a:off x="4052570" y="4762500"/>
-            <a:ext cx="99695" cy="3175"/>
-          </a:xfrm>
-          <a:prstGeom prst="bentConnector3">
-            <a:avLst>
-              <a:gd name="adj1" fmla="val 50318"/>
-            </a:avLst>
-          </a:prstGeom>
-          <a:ln w="0">
-            <a:solidFill>
-              <a:schemeClr val="dk1"/>
-            </a:solidFill>
-            <a:tailEnd type="triangle" w="med" len="med"/>
-          </a:ln>
-        </p:spPr>
-        <p:style>
-          <a:lnRef idx="1">
-            <a:schemeClr val="dk1"/>
-          </a:lnRef>
-          <a:fillRef idx="0">
-            <a:schemeClr val="dk1"/>
-          </a:fillRef>
-          <a:effectRef idx="0">
-            <a:schemeClr val="dk1"/>
-          </a:effectRef>
-          <a:fontRef idx="minor">
-            <a:schemeClr val="tx1"/>
-          </a:fontRef>
-        </p:style>
-      </p:cxnSp>
-      <p:cxnSp>
-        <p:nvCxnSpPr>
-          <p:cNvPr id="67" name="Elbow Connector 66"/>
-          <p:cNvCxnSpPr/>
-          <p:nvPr/>
-        </p:nvCxnSpPr>
-        <p:spPr>
-          <a:xfrm rot="5400000" flipV="1">
-            <a:off x="4049395" y="5332095"/>
-            <a:ext cx="99695" cy="3175"/>
-          </a:xfrm>
-          <a:prstGeom prst="bentConnector3">
-            <a:avLst>
-              <a:gd name="adj1" fmla="val 50318"/>
-            </a:avLst>
-          </a:prstGeom>
-          <a:ln w="0">
-            <a:solidFill>
-              <a:schemeClr val="dk1"/>
-            </a:solidFill>
-            <a:tailEnd type="triangle" w="med" len="med"/>
-          </a:ln>
-        </p:spPr>
-        <p:style>
-          <a:lnRef idx="1">
-            <a:schemeClr val="dk1"/>
-          </a:lnRef>
-          <a:fillRef idx="0">
-            <a:schemeClr val="dk1"/>
-          </a:fillRef>
-          <a:effectRef idx="0">
-            <a:schemeClr val="dk1"/>
-          </a:effectRef>
-          <a:fontRef idx="minor">
-            <a:schemeClr val="tx1"/>
-          </a:fontRef>
-        </p:style>
-      </p:cxnSp>
-      <p:cxnSp>
-        <p:nvCxnSpPr>
-          <p:cNvPr id="68" name="Elbow Connector 67"/>
-          <p:cNvCxnSpPr/>
-          <p:nvPr/>
-        </p:nvCxnSpPr>
-        <p:spPr>
-          <a:xfrm rot="5400000" flipV="1">
-            <a:off x="4055745" y="6024245"/>
-            <a:ext cx="99695" cy="3175"/>
-          </a:xfrm>
-          <a:prstGeom prst="bentConnector3">
-            <a:avLst>
-              <a:gd name="adj1" fmla="val 50318"/>
-            </a:avLst>
-          </a:prstGeom>
-          <a:ln w="0">
-            <a:solidFill>
-              <a:schemeClr val="dk1"/>
-            </a:solidFill>
-            <a:tailEnd type="triangle" w="med" len="med"/>
-          </a:ln>
-        </p:spPr>
-        <p:style>
-          <a:lnRef idx="1">
-            <a:schemeClr val="dk1"/>
-          </a:lnRef>
-          <a:fillRef idx="0">
-            <a:schemeClr val="dk1"/>
-          </a:fillRef>
-          <a:effectRef idx="0">
-            <a:schemeClr val="dk1"/>
-          </a:effectRef>
-          <a:fontRef idx="minor">
-            <a:schemeClr val="tx1"/>
-          </a:fontRef>
-        </p:style>
-      </p:cxnSp>
-      <p:cxnSp>
-        <p:nvCxnSpPr>
-          <p:cNvPr id="69" name="Elbow Connector 68"/>
-          <p:cNvCxnSpPr/>
-          <p:nvPr/>
-        </p:nvCxnSpPr>
-        <p:spPr>
-          <a:xfrm rot="5400000">
-            <a:off x="4011930" y="3254375"/>
-            <a:ext cx="110490" cy="3175"/>
-          </a:xfrm>
-          <a:prstGeom prst="bentConnector2">
-            <a:avLst/>
-          </a:prstGeom>
-          <a:ln w="0">
-            <a:solidFill>
-              <a:schemeClr val="dk1"/>
-            </a:solidFill>
-            <a:tailEnd type="triangle" w="med" len="med"/>
-          </a:ln>
-        </p:spPr>
-        <p:style>
-          <a:lnRef idx="1">
-            <a:schemeClr val="dk1"/>
-          </a:lnRef>
-          <a:fillRef idx="0">
-            <a:schemeClr val="dk1"/>
-          </a:fillRef>
-          <a:effectRef idx="0">
-            <a:schemeClr val="dk1"/>
-          </a:effectRef>
-          <a:fontRef idx="minor">
-            <a:schemeClr val="tx1"/>
-          </a:fontRef>
-        </p:style>
-      </p:cxnSp>
-      <p:cxnSp>
-        <p:nvCxnSpPr>
-          <p:cNvPr id="70" name="Elbow Connector 69"/>
-          <p:cNvCxnSpPr/>
-          <p:nvPr/>
-        </p:nvCxnSpPr>
-        <p:spPr>
-          <a:xfrm rot="5400000" flipV="1">
-            <a:off x="4049395" y="6545580"/>
-            <a:ext cx="99695" cy="3175"/>
-          </a:xfrm>
-          <a:prstGeom prst="bentConnector3">
-            <a:avLst>
-              <a:gd name="adj1" fmla="val 50318"/>
-            </a:avLst>
-          </a:prstGeom>
-          <a:ln w="0">
-            <a:solidFill>
-              <a:schemeClr val="dk1"/>
-            </a:solidFill>
-            <a:tailEnd type="triangle" w="med" len="med"/>
-          </a:ln>
-        </p:spPr>
-        <p:style>
-          <a:lnRef idx="1">
-            <a:schemeClr val="dk1"/>
-          </a:lnRef>
-          <a:fillRef idx="0">
-            <a:schemeClr val="dk1"/>
-          </a:fillRef>
-          <a:effectRef idx="0">
-            <a:schemeClr val="dk1"/>
-          </a:effectRef>
-          <a:fontRef idx="minor">
-            <a:schemeClr val="tx1"/>
-          </a:fontRef>
-        </p:style>
-      </p:cxnSp>
-      <p:sp>
-        <p:nvSpPr>
-          <p:cNvPr id="77" name="Left Arrow 76"/>
-          <p:cNvSpPr/>
-          <p:nvPr/>
-        </p:nvSpPr>
-        <p:spPr>
-          <a:xfrm>
-            <a:off x="5480685" y="1523365"/>
-            <a:ext cx="1261745" cy="615315"/>
+            <a:off x="5480685" y="2719070"/>
+            <a:ext cx="1264920" cy="615315"/>
           </a:xfrm>
           <a:prstGeom prst="leftArrow">
             <a:avLst/>
@@ -5340,7 +4722,7 @@
             <a:pPr algn="ctr"/>
             <a:r>
               <a:rPr lang="en-US" altLang="en-US" sz="1000"/>
-              <a:t>Define PV panels config.</a:t>
+              <a:t>Define charge controller</a:t>
             </a:r>
             <a:endParaRPr lang="en-US" altLang="en-US" sz="1000"/>
           </a:p>
@@ -5348,13 +4730,13 @@
       </p:sp>
       <p:sp>
         <p:nvSpPr>
-          <p:cNvPr id="78" name="Left Arrow 77"/>
+          <p:cNvPr id="79" name="Left Arrow 78"/>
           <p:cNvSpPr/>
           <p:nvPr/>
         </p:nvSpPr>
         <p:spPr>
           <a:xfrm>
-            <a:off x="5480685" y="2195195"/>
+            <a:off x="5477510" y="5193665"/>
             <a:ext cx="1264920" cy="615315"/>
           </a:xfrm>
           <a:prstGeom prst="leftArrow">
@@ -5386,7 +4768,7 @@
             <a:pPr algn="ctr"/>
             <a:r>
               <a:rPr lang="en-US" altLang="en-US" sz="1000"/>
-              <a:t>Define charge controller</a:t>
+              <a:t>Define batteries</a:t>
             </a:r>
             <a:endParaRPr lang="en-US" altLang="en-US" sz="1000"/>
           </a:p>
@@ -5394,13 +4776,13 @@
       </p:sp>
       <p:sp>
         <p:nvSpPr>
-          <p:cNvPr id="79" name="Left Arrow 78"/>
+          <p:cNvPr id="80" name="Left Arrow 79"/>
           <p:cNvSpPr/>
           <p:nvPr/>
         </p:nvSpPr>
         <p:spPr>
           <a:xfrm>
-            <a:off x="5477510" y="4669790"/>
+            <a:off x="5490210" y="7505065"/>
             <a:ext cx="1264920" cy="615315"/>
           </a:xfrm>
           <a:prstGeom prst="leftArrow">
@@ -5432,52 +4814,6 @@
             <a:pPr algn="ctr"/>
             <a:r>
               <a:rPr lang="en-US" altLang="en-US" sz="1000"/>
-              <a:t>Define batteries</a:t>
-            </a:r>
-            <a:endParaRPr lang="en-US" altLang="en-US" sz="1000"/>
-          </a:p>
-        </p:txBody>
-      </p:sp>
-      <p:sp>
-        <p:nvSpPr>
-          <p:cNvPr id="80" name="Left Arrow 79"/>
-          <p:cNvSpPr/>
-          <p:nvPr/>
-        </p:nvSpPr>
-        <p:spPr>
-          <a:xfrm>
-            <a:off x="5490210" y="6590665"/>
-            <a:ext cx="1264920" cy="615315"/>
-          </a:xfrm>
-          <a:prstGeom prst="leftArrow">
-            <a:avLst/>
-          </a:prstGeom>
-          <a:ln>
-            <a:solidFill>
-              <a:schemeClr val="tx1"/>
-            </a:solidFill>
-          </a:ln>
-        </p:spPr>
-        <p:style>
-          <a:lnRef idx="2">
-            <a:schemeClr val="accent6"/>
-          </a:lnRef>
-          <a:fillRef idx="1">
-            <a:schemeClr val="lt1"/>
-          </a:fillRef>
-          <a:effectRef idx="0">
-            <a:schemeClr val="accent6"/>
-          </a:effectRef>
-          <a:fontRef idx="minor">
-            <a:schemeClr val="dk1"/>
-          </a:fontRef>
-        </p:style>
-        <p:txBody>
-          <a:bodyPr rtlCol="0" anchor="ctr"/>
-          <a:p>
-            <a:pPr algn="ctr"/>
-            <a:r>
-              <a:rPr lang="en-US" altLang="en-US" sz="1000"/>
               <a:t>Define inverter</a:t>
             </a:r>
             <a:endParaRPr lang="en-US" altLang="en-US" sz="1000"/>
@@ -5492,7 +4828,7 @@
         </p:nvSpPr>
         <p:spPr>
           <a:xfrm>
-            <a:off x="5483860" y="-22225"/>
+            <a:off x="5483860" y="6350"/>
             <a:ext cx="1261745" cy="725805"/>
           </a:xfrm>
           <a:prstGeom prst="leftArrow">
@@ -5541,8 +4877,8 @@
         </p:nvCxnSpPr>
         <p:spPr>
           <a:xfrm>
-            <a:off x="1815465" y="1101725"/>
-            <a:ext cx="3175" cy="1363345"/>
+            <a:off x="1815465" y="1682750"/>
+            <a:ext cx="3175" cy="1593215"/>
           </a:xfrm>
           <a:prstGeom prst="bentConnector3">
             <a:avLst>
@@ -5576,12 +4912,12 @@
         </p:nvCxnSpPr>
         <p:spPr>
           <a:xfrm flipV="1">
-            <a:off x="1814830" y="2465070"/>
-            <a:ext cx="635" cy="1216025"/>
+            <a:off x="1807210" y="3275965"/>
+            <a:ext cx="8255" cy="1632585"/>
           </a:xfrm>
           <a:prstGeom prst="bentConnector3">
             <a:avLst>
-              <a:gd name="adj1" fmla="val 69100000"/>
+              <a:gd name="adj1" fmla="val 5407692"/>
             </a:avLst>
           </a:prstGeom>
         </p:spPr>
@@ -5605,53 +4941,18 @@
           <p:cNvPr id="85" name="Elbow Connector 84"/>
           <p:cNvCxnSpPr>
             <a:stCxn id="5" idx="5"/>
-            <a:endCxn id="15" idx="5"/>
+            <a:endCxn id="6" idx="5"/>
           </p:cNvCxnSpPr>
           <p:nvPr/>
         </p:nvCxnSpPr>
         <p:spPr>
           <a:xfrm flipH="1">
-            <a:off x="1739900" y="3681095"/>
-            <a:ext cx="74930" cy="1221740"/>
+            <a:off x="1747520" y="4908550"/>
+            <a:ext cx="59690" cy="1342390"/>
           </a:xfrm>
           <a:prstGeom prst="bentConnector3">
             <a:avLst>
-              <a:gd name="adj1" fmla="val -584746"/>
-            </a:avLst>
-          </a:prstGeom>
-        </p:spPr>
-        <p:style>
-          <a:lnRef idx="1">
-            <a:schemeClr val="dk1"/>
-          </a:lnRef>
-          <a:fillRef idx="0">
-            <a:schemeClr val="dk1"/>
-          </a:fillRef>
-          <a:effectRef idx="0">
-            <a:schemeClr val="dk1"/>
-          </a:effectRef>
-          <a:fontRef idx="minor">
-            <a:schemeClr val="tx1"/>
-          </a:fontRef>
-        </p:style>
-      </p:cxnSp>
-      <p:cxnSp>
-        <p:nvCxnSpPr>
-          <p:cNvPr id="86" name="Elbow Connector 85"/>
-          <p:cNvCxnSpPr>
-            <a:stCxn id="6" idx="5"/>
-            <a:endCxn id="15" idx="5"/>
-          </p:cNvCxnSpPr>
-          <p:nvPr/>
-        </p:nvCxnSpPr>
-        <p:spPr>
-          <a:xfrm flipH="1" flipV="1">
-            <a:off x="1739900" y="4902835"/>
-            <a:ext cx="6350" cy="1221740"/>
-          </a:xfrm>
-          <a:prstGeom prst="bentConnector3">
-            <a:avLst>
-              <a:gd name="adj1" fmla="val -7890000"/>
+              <a:gd name="adj1" fmla="val -734043"/>
             </a:avLst>
           </a:prstGeom>
         </p:spPr>
@@ -5678,7 +4979,7 @@
         </p:nvSpPr>
         <p:spPr>
           <a:xfrm>
-            <a:off x="810260" y="-56515"/>
+            <a:off x="581660" y="514985"/>
             <a:ext cx="1387475" cy="368300"/>
           </a:xfrm>
           <a:prstGeom prst="rect">
@@ -5692,10 +4993,10 @@
           </a:bodyPr>
           <a:p>
             <a:r>
-              <a:rPr lang="" altLang="en-US"/>
+              <a:rPr lang="en-US" altLang="en-US" b="1"/>
               <a:t>Inputs</a:t>
             </a:r>
-            <a:endParaRPr lang="" altLang="en-US"/>
+            <a:endParaRPr lang="en-US" altLang="en-US" b="1"/>
           </a:p>
         </p:txBody>
       </p:sp>
@@ -5711,12 +5012,12 @@
         <p:spPr>
           <a:xfrm flipV="1">
             <a:off x="1815465" y="479425"/>
-            <a:ext cx="2260600" cy="631825"/>
+            <a:ext cx="2260600" cy="1203325"/>
           </a:xfrm>
           <a:prstGeom prst="bentConnector4">
             <a:avLst>
-              <a:gd name="adj1" fmla="val 19943"/>
-              <a:gd name="adj2" fmla="val 150653"/>
+              <a:gd name="adj1" fmla="val 19522"/>
+              <a:gd name="adj2" fmla="val 119789"/>
             </a:avLst>
           </a:prstGeom>
           <a:ln>
@@ -5746,8 +5047,8 @@
         </p:nvCxnSpPr>
         <p:spPr>
           <a:xfrm>
-            <a:off x="2466340" y="393700"/>
-            <a:ext cx="8890" cy="6872605"/>
+            <a:off x="2456180" y="675005"/>
+            <a:ext cx="19050" cy="6591300"/>
           </a:xfrm>
           <a:prstGeom prst="line">
             <a:avLst/>
@@ -5768,6 +5069,261 @@
           </a:fillRef>
           <a:effectRef idx="0">
             <a:schemeClr val="accent1"/>
+          </a:effectRef>
+          <a:fontRef idx="minor">
+            <a:schemeClr val="tx1"/>
+          </a:fontRef>
+        </p:style>
+      </p:cxnSp>
+      <p:sp>
+        <p:nvSpPr>
+          <p:cNvPr id="15" name="Flowchart: Process 14"/>
+          <p:cNvSpPr/>
+          <p:nvPr/>
+        </p:nvSpPr>
+        <p:spPr>
+          <a:xfrm>
+            <a:off x="2816860" y="2199005"/>
+            <a:ext cx="2530475" cy="481330"/>
+          </a:xfrm>
+          <a:prstGeom prst="flowChartProcess">
+            <a:avLst/>
+          </a:prstGeom>
+          <a:solidFill>
+            <a:schemeClr val="bg1">
+              <a:lumMod val="75000"/>
+            </a:schemeClr>
+          </a:solidFill>
+          <a:ln>
+            <a:solidFill>
+              <a:schemeClr val="tx1"/>
+            </a:solidFill>
+          </a:ln>
+        </p:spPr>
+        <p:style>
+          <a:lnRef idx="2">
+            <a:schemeClr val="accent6"/>
+          </a:lnRef>
+          <a:fillRef idx="1">
+            <a:schemeClr val="lt1"/>
+          </a:fillRef>
+          <a:effectRef idx="0">
+            <a:schemeClr val="accent6"/>
+          </a:effectRef>
+          <a:fontRef idx="minor">
+            <a:schemeClr val="dk1"/>
+          </a:fontRef>
+        </p:style>
+        <p:txBody>
+          <a:bodyPr rtlCol="0" anchor="ctr"/>
+          <a:p>
+            <a:pPr algn="ctr"/>
+            <a:r>
+              <a:rPr lang="en-US" altLang="en-US" sz="1000"/>
+              <a:t>i</a:t>
+            </a:r>
+            <a:r>
+              <a:rPr lang="" altLang="en-US" sz="1000"/>
+              <a:t>v</a:t>
+            </a:r>
+            <a:r>
+              <a:rPr lang="en-US" altLang="en-US" sz="1000"/>
+              <a:t> - </a:t>
+            </a:r>
+            <a:r>
+              <a:rPr lang="" altLang="en-US" sz="1000"/>
+              <a:t>Calculate the minimum current and voltage supplied  from the PV panels to the charge controller</a:t>
+            </a:r>
+            <a:endParaRPr lang="" altLang="en-US" sz="1000"/>
+          </a:p>
+        </p:txBody>
+      </p:sp>
+      <p:cxnSp>
+        <p:nvCxnSpPr>
+          <p:cNvPr id="16" name="Elbow Connector 15"/>
+          <p:cNvCxnSpPr/>
+          <p:nvPr/>
+        </p:nvCxnSpPr>
+        <p:spPr>
+          <a:xfrm rot="5400000" flipV="1">
+            <a:off x="4028440" y="2731770"/>
+            <a:ext cx="99695" cy="3175"/>
+          </a:xfrm>
+          <a:prstGeom prst="bentConnector3">
+            <a:avLst>
+              <a:gd name="adj1" fmla="val 50318"/>
+            </a:avLst>
+          </a:prstGeom>
+          <a:ln w="0">
+            <a:solidFill>
+              <a:schemeClr val="dk1"/>
+            </a:solidFill>
+            <a:tailEnd type="triangle" w="med" len="med"/>
+          </a:ln>
+        </p:spPr>
+        <p:style>
+          <a:lnRef idx="1">
+            <a:schemeClr val="dk1"/>
+          </a:lnRef>
+          <a:fillRef idx="0">
+            <a:schemeClr val="dk1"/>
+          </a:fillRef>
+          <a:effectRef idx="0">
+            <a:schemeClr val="dk1"/>
+          </a:effectRef>
+          <a:fontRef idx="minor">
+            <a:schemeClr val="tx1"/>
+          </a:fontRef>
+        </p:style>
+      </p:cxnSp>
+      <p:sp>
+        <p:nvSpPr>
+          <p:cNvPr id="26" name="Flowchart: Alternate Process 25"/>
+          <p:cNvSpPr/>
+          <p:nvPr/>
+        </p:nvSpPr>
+        <p:spPr>
+          <a:xfrm>
+            <a:off x="2817495" y="2767330"/>
+            <a:ext cx="2529840" cy="478790"/>
+          </a:xfrm>
+          <a:prstGeom prst="flowChartAlternateProcess">
+            <a:avLst/>
+          </a:prstGeom>
+          <a:solidFill>
+            <a:schemeClr val="bg1">
+              <a:lumMod val="50000"/>
+            </a:schemeClr>
+          </a:solidFill>
+          <a:ln>
+            <a:solidFill>
+              <a:schemeClr val="tx1"/>
+            </a:solidFill>
+          </a:ln>
+        </p:spPr>
+        <p:style>
+          <a:lnRef idx="2">
+            <a:schemeClr val="accent1">
+              <a:shade val="50000"/>
+            </a:schemeClr>
+          </a:lnRef>
+          <a:fillRef idx="1">
+            <a:schemeClr val="accent1"/>
+          </a:fillRef>
+          <a:effectRef idx="0">
+            <a:schemeClr val="accent1"/>
+          </a:effectRef>
+          <a:fontRef idx="minor">
+            <a:schemeClr val="lt1"/>
+          </a:fontRef>
+        </p:style>
+        <p:txBody>
+          <a:bodyPr rtlCol="0" anchor="ctr"/>
+          <a:p>
+            <a:pPr algn="ctr"/>
+            <a:r>
+              <a:rPr lang="en-US" altLang="en-US" sz="1000">
+                <a:sym typeface="+mn-ea"/>
+              </a:rPr>
+              <a:t>v - Check electrical compatibility between PV panels arrangement  and charge controller</a:t>
+            </a:r>
+            <a:endParaRPr lang="en-US" altLang="en-US" sz="1000">
+              <a:sym typeface="+mn-ea"/>
+            </a:endParaRPr>
+          </a:p>
+        </p:txBody>
+      </p:sp>
+      <p:sp>
+        <p:nvSpPr>
+          <p:cNvPr id="27" name="Flowchart: Process 26"/>
+          <p:cNvSpPr/>
+          <p:nvPr/>
+        </p:nvSpPr>
+        <p:spPr>
+          <a:xfrm>
+            <a:off x="2813685" y="7091680"/>
+            <a:ext cx="2530475" cy="391160"/>
+          </a:xfrm>
+          <a:prstGeom prst="flowChartProcess">
+            <a:avLst/>
+          </a:prstGeom>
+          <a:solidFill>
+            <a:schemeClr val="bg1">
+              <a:lumMod val="75000"/>
+            </a:schemeClr>
+          </a:solidFill>
+          <a:ln>
+            <a:solidFill>
+              <a:schemeClr val="tx1"/>
+            </a:solidFill>
+          </a:ln>
+        </p:spPr>
+        <p:style>
+          <a:lnRef idx="2">
+            <a:schemeClr val="accent6"/>
+          </a:lnRef>
+          <a:fillRef idx="1">
+            <a:schemeClr val="lt1"/>
+          </a:fillRef>
+          <a:effectRef idx="0">
+            <a:schemeClr val="accent6"/>
+          </a:effectRef>
+          <a:fontRef idx="minor">
+            <a:schemeClr val="dk1"/>
+          </a:fontRef>
+        </p:style>
+        <p:txBody>
+          <a:bodyPr rtlCol="0" anchor="ctr"/>
+          <a:p>
+            <a:pPr algn="ctr"/>
+            <a:r>
+              <a:rPr lang="en-US" altLang="en-US" sz="1000"/>
+              <a:t>x</a:t>
+            </a:r>
+            <a:r>
+              <a:rPr lang="" altLang="en-US" sz="1000"/>
+              <a:t>i</a:t>
+            </a:r>
+            <a:r>
+              <a:rPr lang="en-US" altLang="en-US" sz="1000"/>
+              <a:t>ii - Define number of charge controllers</a:t>
+            </a:r>
+            <a:endParaRPr lang="en-US" altLang="en-US" sz="1000"/>
+          </a:p>
+        </p:txBody>
+      </p:sp>
+      <p:cxnSp>
+        <p:nvCxnSpPr>
+          <p:cNvPr id="30" name="Elbow Connector 29"/>
+          <p:cNvCxnSpPr/>
+          <p:nvPr/>
+        </p:nvCxnSpPr>
+        <p:spPr>
+          <a:xfrm rot="5400000" flipV="1">
+            <a:off x="4057015" y="6356350"/>
+            <a:ext cx="99695" cy="3175"/>
+          </a:xfrm>
+          <a:prstGeom prst="bentConnector3">
+            <a:avLst>
+              <a:gd name="adj1" fmla="val 50318"/>
+            </a:avLst>
+          </a:prstGeom>
+          <a:ln w="0">
+            <a:solidFill>
+              <a:schemeClr val="dk1"/>
+            </a:solidFill>
+            <a:tailEnd type="triangle" w="med" len="med"/>
+          </a:ln>
+        </p:spPr>
+        <p:style>
+          <a:lnRef idx="1">
+            <a:schemeClr val="dk1"/>
+          </a:lnRef>
+          <a:fillRef idx="0">
+            <a:schemeClr val="dk1"/>
+          </a:fillRef>
+          <a:effectRef idx="0">
+            <a:schemeClr val="dk1"/>
           </a:effectRef>
           <a:fontRef idx="minor">
             <a:schemeClr val="tx1"/>

--- a/Tex/CAV2019/flowchart.pptx
+++ b/Tex/CAV2019/flowchart.pptx
@@ -6,7 +6,9 @@
   </p:sldMasterIdLst>
   <p:sldIdLst>
     <p:sldId id="256" r:id="rId3"/>
-    <p:sldId id="257" r:id="rId4"/>
+    <p:sldId id="258" r:id="rId4"/>
+    <p:sldId id="259" r:id="rId5"/>
+    <p:sldId id="257" r:id="rId6"/>
   </p:sldIdLst>
   <p:sldSz cx="6858000" cy="12189460"/>
   <p:notesSz cx="7103745" cy="10234295"/>
@@ -3220,15 +3222,7 @@
             <a:pPr algn="ctr"/>
             <a:r>
               <a:rPr lang="en-US" altLang="en-US" sz="1000"/>
-              <a:t>i</a:t>
-            </a:r>
-            <a:r>
-              <a:rPr lang="" altLang="en-US" sz="1000"/>
-              <a:t>x</a:t>
-            </a:r>
-            <a:r>
-              <a:rPr lang="en-US" altLang="en-US" sz="1000"/>
-              <a:t> - Define arrangement of batteries in series and parallel</a:t>
+              <a:t>ix - Define arrangement of batteries in series and parallel</a:t>
             </a:r>
             <a:endParaRPr lang="en-US" altLang="en-US" sz="1000"/>
           </a:p>
@@ -4238,15 +4232,7 @@
             <a:pPr algn="ctr"/>
             <a:r>
               <a:rPr lang="en-US" altLang="en-US" sz="1000"/>
-              <a:t>v</a:t>
-            </a:r>
-            <a:r>
-              <a:rPr lang="" altLang="en-US" sz="1000"/>
-              <a:t>i</a:t>
-            </a:r>
-            <a:r>
-              <a:rPr lang="en-US" altLang="en-US" sz="1000"/>
-              <a:t> - Calculate energy demand from batteries</a:t>
+              <a:t>vi - Calculate energy demand from batteries</a:t>
             </a:r>
             <a:endParaRPr lang="en-US" altLang="en-US" sz="1000"/>
           </a:p>
@@ -4354,15 +4340,7 @@
             <a:pPr algn="ctr"/>
             <a:r>
               <a:rPr lang="en-US" altLang="en-US" sz="1000"/>
-              <a:t>vi</a:t>
-            </a:r>
-            <a:r>
-              <a:rPr lang="" altLang="en-US" sz="1000"/>
-              <a:t>i</a:t>
-            </a:r>
-            <a:r>
-              <a:rPr lang="en-US" altLang="en-US" sz="1000"/>
-              <a:t> - Calculate the minimum energy from DC-bus</a:t>
+              <a:t>vii - Calculate the minimum energy from DC-bus</a:t>
             </a:r>
             <a:endParaRPr lang="en-US" altLang="en-US" sz="1000"/>
           </a:p>
@@ -4413,15 +4391,7 @@
             <a:pPr algn="ctr"/>
             <a:r>
               <a:rPr lang="en-US" altLang="en-US" sz="1000"/>
-              <a:t>v</a:t>
-            </a:r>
-            <a:r>
-              <a:rPr lang="" altLang="en-US" sz="1000"/>
-              <a:t>i</a:t>
-            </a:r>
-            <a:r>
-              <a:rPr lang="en-US" altLang="en-US" sz="1000"/>
-              <a:t>ii - Calculate the battery bank capacity</a:t>
+              <a:t>viii - Calculate the battery bank capacity</a:t>
             </a:r>
             <a:endParaRPr lang="en-US" altLang="en-US" sz="1000"/>
           </a:p>
@@ -4472,15 +4442,7 @@
             <a:pPr algn="ctr"/>
             <a:r>
               <a:rPr lang="en-US" altLang="en-US" sz="1000"/>
-              <a:t>x</a:t>
-            </a:r>
-            <a:r>
-              <a:rPr lang="" altLang="en-US" sz="1000"/>
-              <a:t>i</a:t>
-            </a:r>
-            <a:r>
-              <a:rPr lang="en-US" altLang="en-US" sz="1000"/>
-              <a:t> - Correct temperature from PV panels to the ambient temperature</a:t>
+              <a:t>xi - Correct temperature from PV panels to the ambient temperature</a:t>
             </a:r>
             <a:endParaRPr lang="en-US" altLang="en-US" sz="1000"/>
           </a:p>
@@ -4535,19 +4497,7 @@
               <a:rPr lang="en-US" altLang="en-US" sz="1000">
                 <a:sym typeface="+mn-ea"/>
               </a:rPr>
-              <a:t>xi</a:t>
-            </a:r>
-            <a:r>
-              <a:rPr lang="" altLang="en-US" sz="1000">
-                <a:sym typeface="+mn-ea"/>
-              </a:rPr>
-              <a:t>i</a:t>
-            </a:r>
-            <a:r>
-              <a:rPr lang="en-US" altLang="en-US" sz="1000">
-                <a:sym typeface="+mn-ea"/>
-              </a:rPr>
-              <a:t> - Check electrical compatibility: minimum current produced from panels and the charge controller current</a:t>
+              <a:t>xii - Check electrical compatibility: minimum current produced from panels and the charge controller current</a:t>
             </a:r>
             <a:endParaRPr lang="en-US" altLang="en-US" sz="1000">
               <a:sym typeface="+mn-ea"/>
@@ -4604,31 +4554,7 @@
               <a:rPr lang="en-US" altLang="en-US" sz="1000">
                 <a:sym typeface="+mn-ea"/>
               </a:rPr>
-              <a:t>xi</a:t>
-            </a:r>
-            <a:r>
-              <a:rPr lang="" altLang="en-US" sz="1000">
-                <a:sym typeface="+mn-ea"/>
-              </a:rPr>
-              <a:t>v</a:t>
-            </a:r>
-            <a:r>
-              <a:rPr lang="en-US" altLang="en-US" sz="1000">
-                <a:sym typeface="+mn-ea"/>
-              </a:rPr>
-              <a:t> - Check electrical compatibility among inverter and other equipment or </a:t>
-            </a:r>
-            <a:r>
-              <a:rPr lang="" altLang="en-US" sz="1000">
-                <a:sym typeface="+mn-ea"/>
-              </a:rPr>
-              <a:t>house </a:t>
-            </a:r>
-            <a:r>
-              <a:rPr lang="en-US" altLang="en-US" sz="1000">
-                <a:sym typeface="+mn-ea"/>
-              </a:rPr>
-              <a:t>requirements</a:t>
+              <a:t>xiv - Check electrical compatibility among inverter and other equipment or house requirements</a:t>
             </a:r>
             <a:endParaRPr lang="en-US" altLang="en-US" sz="1000">
               <a:sym typeface="+mn-ea"/>
@@ -5120,21 +5046,9 @@
             <a:pPr algn="ctr"/>
             <a:r>
               <a:rPr lang="en-US" altLang="en-US" sz="1000"/>
-              <a:t>i</a:t>
-            </a:r>
-            <a:r>
-              <a:rPr lang="" altLang="en-US" sz="1000"/>
-              <a:t>v</a:t>
-            </a:r>
-            <a:r>
-              <a:rPr lang="en-US" altLang="en-US" sz="1000"/>
-              <a:t> - </a:t>
-            </a:r>
-            <a:r>
-              <a:rPr lang="" altLang="en-US" sz="1000"/>
-              <a:t>Calculate the minimum current and voltage supplied  from the PV panels to the charge controller</a:t>
-            </a:r>
-            <a:endParaRPr lang="" altLang="en-US" sz="1000"/>
+              <a:t>iv - Calculate the minimum current and voltage supplied  from the PV panels to the charge controller</a:t>
+            </a:r>
+            <a:endParaRPr lang="en-US" altLang="en-US" sz="1000"/>
           </a:p>
         </p:txBody>
       </p:sp>
@@ -5278,15 +5192,7 @@
             <a:pPr algn="ctr"/>
             <a:r>
               <a:rPr lang="en-US" altLang="en-US" sz="1000"/>
-              <a:t>x</a:t>
-            </a:r>
-            <a:r>
-              <a:rPr lang="" altLang="en-US" sz="1000"/>
-              <a:t>i</a:t>
-            </a:r>
-            <a:r>
-              <a:rPr lang="en-US" altLang="en-US" sz="1000"/>
-              <a:t>ii - Define number of charge controllers</a:t>
+              <a:t>xiii - Define number of charge controllers</a:t>
             </a:r>
             <a:endParaRPr lang="en-US" altLang="en-US" sz="1000"/>
           </a:p>
@@ -5339,6 +5245,2904 @@
 </file>
 
 <file path=ppt/slides/slide2.xml><?xml version="1.0" encoding="utf-8"?>
+<p:sld xmlns:a="http://schemas.openxmlformats.org/drawingml/2006/main" xmlns:r="http://schemas.openxmlformats.org/officeDocument/2006/relationships" xmlns:p="http://schemas.openxmlformats.org/presentationml/2006/main">
+  <p:cSld>
+    <p:spTree>
+      <p:nvGrpSpPr>
+        <p:cNvPr id="1" name=""/>
+        <p:cNvGrpSpPr/>
+        <p:nvPr/>
+      </p:nvGrpSpPr>
+      <p:grpSpPr/>
+      <p:grpSp>
+        <p:nvGrpSpPr>
+          <p:cNvPr id="2" name="Group 1"/>
+          <p:cNvGrpSpPr/>
+          <p:nvPr/>
+        </p:nvGrpSpPr>
+        <p:grpSpPr>
+          <a:xfrm>
+            <a:off x="8890" y="414655"/>
+            <a:ext cx="2803525" cy="6383655"/>
+            <a:chOff x="14" y="653"/>
+            <a:chExt cx="4415" cy="10053"/>
+          </a:xfrm>
+        </p:grpSpPr>
+        <p:sp>
+          <p:nvSpPr>
+            <p:cNvPr id="13" name="Flowchart: Data 12"/>
+            <p:cNvSpPr/>
+            <p:nvPr/>
+          </p:nvSpPr>
+          <p:spPr>
+            <a:xfrm>
+              <a:off x="26" y="1526"/>
+              <a:ext cx="3148" cy="2247"/>
+            </a:xfrm>
+            <a:prstGeom prst="flowChartInputOutput">
+              <a:avLst/>
+            </a:prstGeom>
+            <a:ln>
+              <a:solidFill>
+                <a:schemeClr val="tx1"/>
+              </a:solidFill>
+            </a:ln>
+          </p:spPr>
+          <p:style>
+            <a:lnRef idx="2">
+              <a:schemeClr val="accent6"/>
+            </a:lnRef>
+            <a:fillRef idx="1">
+              <a:schemeClr val="lt1"/>
+            </a:fillRef>
+            <a:effectRef idx="0">
+              <a:schemeClr val="accent6"/>
+            </a:effectRef>
+            <a:fontRef idx="minor">
+              <a:schemeClr val="dk1"/>
+            </a:fontRef>
+          </p:style>
+          <p:txBody>
+            <a:bodyPr rtlCol="0" anchor="ctr"/>
+            <a:p>
+              <a:pPr algn="ctr"/>
+              <a:r>
+                <a:rPr lang="en-US" altLang="en-US" sz="1000" b="1">
+                  <a:sym typeface="+mn-ea"/>
+                </a:rPr>
+                <a:t>From the House: </a:t>
+              </a:r>
+              <a:endParaRPr lang="en-US" altLang="en-US" sz="1000"/>
+            </a:p>
+            <a:p>
+              <a:pPr algn="ctr"/>
+              <a:r>
+                <a:rPr lang="en-US" altLang="en-US" sz="1000">
+                  <a:sym typeface="+mn-ea"/>
+                </a:rPr>
+                <a:t>Load curve</a:t>
+              </a:r>
+              <a:endParaRPr lang="en-US" altLang="en-US" sz="1000"/>
+            </a:p>
+            <a:p>
+              <a:pPr algn="ctr"/>
+              <a:r>
+                <a:rPr lang="en-US" altLang="en-US" sz="1000">
+                  <a:sym typeface="+mn-ea"/>
+                </a:rPr>
+                <a:t>Peak power (W)</a:t>
+              </a:r>
+              <a:endParaRPr lang="en-US" altLang="en-US" sz="1000"/>
+            </a:p>
+            <a:p>
+              <a:pPr algn="ctr"/>
+              <a:r>
+                <a:rPr lang="en-US" altLang="en-US" sz="1000">
+                  <a:sym typeface="+mn-ea"/>
+                </a:rPr>
+                <a:t>Energy demand (kWh/day)</a:t>
+              </a:r>
+              <a:endParaRPr lang="en-US" altLang="en-US" sz="1000">
+                <a:sym typeface="+mn-ea"/>
+              </a:endParaRPr>
+            </a:p>
+            <a:p>
+              <a:pPr algn="ctr"/>
+              <a:r>
+                <a:rPr lang="en-US" altLang="en-US" sz="1000">
+                  <a:sym typeface="+mn-ea"/>
+                </a:rPr>
+                <a:t>Outlet AC voltage (V)</a:t>
+              </a:r>
+              <a:endParaRPr lang="en-US" altLang="en-US" sz="1000">
+                <a:sym typeface="+mn-ea"/>
+              </a:endParaRPr>
+            </a:p>
+            <a:p>
+              <a:pPr algn="ctr"/>
+              <a:endParaRPr lang="en-US" altLang="en-US" sz="1000">
+                <a:sym typeface="+mn-ea"/>
+              </a:endParaRPr>
+            </a:p>
+          </p:txBody>
+        </p:sp>
+        <p:sp>
+          <p:nvSpPr>
+            <p:cNvPr id="14" name="Flowchart: Data 13"/>
+            <p:cNvSpPr/>
+            <p:nvPr/>
+          </p:nvSpPr>
+          <p:spPr>
+            <a:xfrm>
+              <a:off x="26" y="3873"/>
+              <a:ext cx="3148" cy="2571"/>
+            </a:xfrm>
+            <a:prstGeom prst="flowChartInputOutput">
+              <a:avLst/>
+            </a:prstGeom>
+            <a:ln>
+              <a:solidFill>
+                <a:schemeClr val="tx1"/>
+              </a:solidFill>
+            </a:ln>
+          </p:spPr>
+          <p:style>
+            <a:lnRef idx="2">
+              <a:schemeClr val="accent6"/>
+            </a:lnRef>
+            <a:fillRef idx="1">
+              <a:schemeClr val="lt1"/>
+            </a:fillRef>
+            <a:effectRef idx="0">
+              <a:schemeClr val="accent6"/>
+            </a:effectRef>
+            <a:fontRef idx="minor">
+              <a:schemeClr val="dk1"/>
+            </a:fontRef>
+          </p:style>
+          <p:txBody>
+            <a:bodyPr rtlCol="0" anchor="ctr"/>
+            <a:p>
+              <a:pPr algn="ctr"/>
+              <a:r>
+                <a:rPr lang="en-US" altLang="en-US" sz="1000" b="1">
+                  <a:sym typeface="+mn-ea"/>
+                </a:rPr>
+                <a:t>Design assumptions:</a:t>
+              </a:r>
+              <a:endParaRPr lang="en-US" altLang="en-US" sz="1000"/>
+            </a:p>
+            <a:p>
+              <a:pPr algn="ctr"/>
+              <a:r>
+                <a:rPr lang="en-US" altLang="en-US" sz="1000">
+                  <a:sym typeface="+mn-ea"/>
+                </a:rPr>
+                <a:t>Battery autonomy </a:t>
+              </a:r>
+              <a:r>
+                <a:rPr lang="en-US" sz="1000">
+                  <a:sym typeface="+mn-ea"/>
+                </a:rPr>
+                <a:t>(h)</a:t>
+              </a:r>
+              <a:endParaRPr lang="en-US" sz="1000">
+                <a:sym typeface="+mn-ea"/>
+              </a:endParaRPr>
+            </a:p>
+            <a:p>
+              <a:pPr algn="ctr"/>
+              <a:r>
+                <a:rPr lang="en-US" altLang="en-US" sz="1000"/>
+                <a:t>Battery DOD and SOC</a:t>
+              </a:r>
+              <a:endParaRPr lang="en-US" altLang="en-US" sz="1000"/>
+            </a:p>
+            <a:p>
+              <a:pPr algn="ctr"/>
+              <a:r>
+                <a:rPr lang="en-US" altLang="en-US" sz="1000">
+                  <a:sym typeface="+mn-ea"/>
+                </a:rPr>
+                <a:t>DC bus voltage (V)</a:t>
+              </a:r>
+              <a:endParaRPr lang="en-US" altLang="en-US" sz="1000">
+                <a:sym typeface="+mn-ea"/>
+              </a:endParaRPr>
+            </a:p>
+          </p:txBody>
+        </p:sp>
+        <p:sp>
+          <p:nvSpPr>
+            <p:cNvPr id="5" name="Flowchart: Data 4"/>
+            <p:cNvSpPr/>
+            <p:nvPr/>
+          </p:nvSpPr>
+          <p:spPr>
+            <a:xfrm>
+              <a:off x="14" y="6599"/>
+              <a:ext cx="3147" cy="2261"/>
+            </a:xfrm>
+            <a:prstGeom prst="flowChartInputOutput">
+              <a:avLst/>
+            </a:prstGeom>
+            <a:ln>
+              <a:solidFill>
+                <a:schemeClr val="tx1"/>
+              </a:solidFill>
+            </a:ln>
+          </p:spPr>
+          <p:style>
+            <a:lnRef idx="2">
+              <a:schemeClr val="accent6"/>
+            </a:lnRef>
+            <a:fillRef idx="1">
+              <a:schemeClr val="lt1"/>
+            </a:fillRef>
+            <a:effectRef idx="0">
+              <a:schemeClr val="accent6"/>
+            </a:effectRef>
+            <a:fontRef idx="minor">
+              <a:schemeClr val="dk1"/>
+            </a:fontRef>
+          </p:style>
+          <p:txBody>
+            <a:bodyPr rtlCol="0" anchor="ctr"/>
+            <a:p>
+              <a:pPr algn="ctr"/>
+              <a:r>
+                <a:rPr lang="en-US" altLang="en-US" sz="1000" b="1">
+                  <a:sym typeface="+mn-ea"/>
+                </a:rPr>
+                <a:t>Weather information from local:</a:t>
+              </a:r>
+              <a:endParaRPr lang="en-US" altLang="en-US" sz="1000"/>
+            </a:p>
+            <a:p>
+              <a:pPr algn="ctr"/>
+              <a:r>
+                <a:rPr lang="en-US" altLang="en-US" sz="1000">
+                  <a:sym typeface="+mn-ea"/>
+                </a:rPr>
+                <a:t>Solar irradiation/ insolation</a:t>
+              </a:r>
+              <a:endParaRPr lang="en-US" altLang="en-US" sz="1000">
+                <a:sym typeface="+mn-ea"/>
+              </a:endParaRPr>
+            </a:p>
+            <a:p>
+              <a:pPr algn="ctr"/>
+              <a:r>
+                <a:rPr lang="en-US" altLang="en-US" sz="1000">
+                  <a:sym typeface="+mn-ea"/>
+                </a:rPr>
+                <a:t>Field temperature</a:t>
+              </a:r>
+              <a:endParaRPr lang="en-US" altLang="en-US" sz="1000">
+                <a:sym typeface="+mn-ea"/>
+              </a:endParaRPr>
+            </a:p>
+          </p:txBody>
+        </p:sp>
+        <p:sp>
+          <p:nvSpPr>
+            <p:cNvPr id="6" name="Flowchart: Data 5"/>
+            <p:cNvSpPr/>
+            <p:nvPr/>
+          </p:nvSpPr>
+          <p:spPr>
+            <a:xfrm>
+              <a:off x="131" y="8982"/>
+              <a:ext cx="2912" cy="1724"/>
+            </a:xfrm>
+            <a:prstGeom prst="flowChartInputOutput">
+              <a:avLst/>
+            </a:prstGeom>
+            <a:ln>
+              <a:solidFill>
+                <a:schemeClr val="tx1"/>
+              </a:solidFill>
+            </a:ln>
+          </p:spPr>
+          <p:style>
+            <a:lnRef idx="2">
+              <a:schemeClr val="accent6"/>
+            </a:lnRef>
+            <a:fillRef idx="1">
+              <a:schemeClr val="lt1"/>
+            </a:fillRef>
+            <a:effectRef idx="0">
+              <a:schemeClr val="accent6"/>
+            </a:effectRef>
+            <a:fontRef idx="minor">
+              <a:schemeClr val="dk1"/>
+            </a:fontRef>
+          </p:style>
+          <p:txBody>
+            <a:bodyPr rtlCol="0" anchor="ctr"/>
+            <a:p>
+              <a:pPr algn="ctr"/>
+              <a:r>
+                <a:rPr lang="en-US" altLang="en-US" sz="1000" b="1">
+                  <a:sym typeface="+mn-ea"/>
+                </a:rPr>
+                <a:t>Each equipment item from PV system:</a:t>
+              </a:r>
+              <a:endParaRPr lang="en-US" altLang="en-US" sz="1000" b="1"/>
+            </a:p>
+            <a:p>
+              <a:pPr algn="ctr"/>
+              <a:r>
+                <a:rPr lang="en-US" altLang="en-US" sz="1000">
+                  <a:sym typeface="+mn-ea"/>
+                </a:rPr>
+                <a:t>detailed datasheet information</a:t>
+              </a:r>
+              <a:endParaRPr lang="en-US" altLang="en-US" sz="1000">
+                <a:sym typeface="+mn-ea"/>
+              </a:endParaRPr>
+            </a:p>
+          </p:txBody>
+        </p:sp>
+        <p:cxnSp>
+          <p:nvCxnSpPr>
+            <p:cNvPr id="83" name="Elbow Connector 82"/>
+            <p:cNvCxnSpPr>
+              <a:stCxn id="13" idx="5"/>
+              <a:endCxn id="14" idx="5"/>
+            </p:cNvCxnSpPr>
+            <p:nvPr/>
+          </p:nvCxnSpPr>
+          <p:spPr>
+            <a:xfrm>
+              <a:off x="2859" y="2650"/>
+              <a:ext cx="5" cy="2509"/>
+            </a:xfrm>
+            <a:prstGeom prst="bentConnector3">
+              <a:avLst>
+                <a:gd name="adj1" fmla="val 13800000"/>
+              </a:avLst>
+            </a:prstGeom>
+          </p:spPr>
+          <p:style>
+            <a:lnRef idx="1">
+              <a:schemeClr val="dk1"/>
+            </a:lnRef>
+            <a:fillRef idx="0">
+              <a:schemeClr val="dk1"/>
+            </a:fillRef>
+            <a:effectRef idx="0">
+              <a:schemeClr val="dk1"/>
+            </a:effectRef>
+            <a:fontRef idx="minor">
+              <a:schemeClr val="tx1"/>
+            </a:fontRef>
+          </p:style>
+        </p:cxnSp>
+        <p:cxnSp>
+          <p:nvCxnSpPr>
+            <p:cNvPr id="84" name="Elbow Connector 83"/>
+            <p:cNvCxnSpPr>
+              <a:stCxn id="5" idx="5"/>
+              <a:endCxn id="14" idx="5"/>
+            </p:cNvCxnSpPr>
+            <p:nvPr/>
+          </p:nvCxnSpPr>
+          <p:spPr>
+            <a:xfrm flipV="1">
+              <a:off x="2846" y="5159"/>
+              <a:ext cx="13" cy="2571"/>
+            </a:xfrm>
+            <a:prstGeom prst="bentConnector3">
+              <a:avLst>
+                <a:gd name="adj1" fmla="val 5407692"/>
+              </a:avLst>
+            </a:prstGeom>
+          </p:spPr>
+          <p:style>
+            <a:lnRef idx="1">
+              <a:schemeClr val="dk1"/>
+            </a:lnRef>
+            <a:fillRef idx="0">
+              <a:schemeClr val="dk1"/>
+            </a:fillRef>
+            <a:effectRef idx="0">
+              <a:schemeClr val="dk1"/>
+            </a:effectRef>
+            <a:fontRef idx="minor">
+              <a:schemeClr val="tx1"/>
+            </a:fontRef>
+          </p:style>
+        </p:cxnSp>
+        <p:sp>
+          <p:nvSpPr>
+            <p:cNvPr id="87" name="Text Box 86"/>
+            <p:cNvSpPr txBox="1"/>
+            <p:nvPr/>
+          </p:nvSpPr>
+          <p:spPr>
+            <a:xfrm>
+              <a:off x="1272" y="653"/>
+              <a:ext cx="2185" cy="580"/>
+            </a:xfrm>
+            <a:prstGeom prst="rect">
+              <a:avLst/>
+            </a:prstGeom>
+            <a:noFill/>
+          </p:spPr>
+          <p:txBody>
+            <a:bodyPr wrap="square" rtlCol="0">
+              <a:spAutoFit/>
+            </a:bodyPr>
+            <a:p>
+              <a:r>
+                <a:rPr lang="en-US" altLang="en-US" b="1"/>
+                <a:t>Inputs</a:t>
+              </a:r>
+              <a:endParaRPr lang="en-US" altLang="en-US" b="1"/>
+            </a:p>
+          </p:txBody>
+        </p:sp>
+        <p:cxnSp>
+          <p:nvCxnSpPr>
+            <p:cNvPr id="89" name="Elbow Connector 88"/>
+            <p:cNvCxnSpPr>
+              <a:stCxn id="13" idx="5"/>
+            </p:cNvCxnSpPr>
+            <p:nvPr/>
+          </p:nvCxnSpPr>
+          <p:spPr>
+            <a:xfrm>
+              <a:off x="2859" y="2650"/>
+              <a:ext cx="1571" cy="5"/>
+            </a:xfrm>
+            <a:prstGeom prst="bentConnector2">
+              <a:avLst/>
+            </a:prstGeom>
+            <a:ln>
+              <a:tailEnd type="triangle" w="med" len="med"/>
+            </a:ln>
+          </p:spPr>
+          <p:style>
+            <a:lnRef idx="1">
+              <a:schemeClr val="dk1"/>
+            </a:lnRef>
+            <a:fillRef idx="0">
+              <a:schemeClr val="dk1"/>
+            </a:fillRef>
+            <a:effectRef idx="0">
+              <a:schemeClr val="dk1"/>
+            </a:effectRef>
+            <a:fontRef idx="minor">
+              <a:schemeClr val="tx1"/>
+            </a:fontRef>
+          </p:style>
+        </p:cxnSp>
+        <p:cxnSp>
+          <p:nvCxnSpPr>
+            <p:cNvPr id="85" name="Elbow Connector 84"/>
+            <p:cNvCxnSpPr/>
+            <p:nvPr/>
+          </p:nvCxnSpPr>
+          <p:spPr>
+            <a:xfrm flipH="1">
+              <a:off x="2752" y="7730"/>
+              <a:ext cx="94" cy="2114"/>
+            </a:xfrm>
+            <a:prstGeom prst="bentConnector3">
+              <a:avLst>
+                <a:gd name="adj1" fmla="val -734043"/>
+              </a:avLst>
+            </a:prstGeom>
+          </p:spPr>
+          <p:style>
+            <a:lnRef idx="1">
+              <a:schemeClr val="dk1"/>
+            </a:lnRef>
+            <a:fillRef idx="0">
+              <a:schemeClr val="dk1"/>
+            </a:fillRef>
+            <a:effectRef idx="0">
+              <a:schemeClr val="dk1"/>
+            </a:effectRef>
+            <a:fontRef idx="minor">
+              <a:schemeClr val="tx1"/>
+            </a:fontRef>
+          </p:style>
+        </p:cxnSp>
+      </p:grpSp>
+    </p:spTree>
+  </p:cSld>
+  <p:clrMapOvr>
+    <a:masterClrMapping/>
+  </p:clrMapOvr>
+</p:sld>
+</file>
+
+<file path=ppt/slides/slide3.xml><?xml version="1.0" encoding="utf-8"?>
+<p:sld xmlns:a="http://schemas.openxmlformats.org/drawingml/2006/main" xmlns:r="http://schemas.openxmlformats.org/officeDocument/2006/relationships" xmlns:p="http://schemas.openxmlformats.org/presentationml/2006/main">
+  <p:cSld>
+    <p:spTree>
+      <p:nvGrpSpPr>
+        <p:cNvPr id="1" name=""/>
+        <p:cNvGrpSpPr/>
+        <p:nvPr/>
+      </p:nvGrpSpPr>
+      <p:grpSpPr/>
+      <p:sp>
+        <p:nvSpPr>
+          <p:cNvPr id="9" name="Flowchart: Process 8"/>
+          <p:cNvSpPr/>
+          <p:nvPr/>
+        </p:nvSpPr>
+        <p:spPr>
+          <a:xfrm>
+            <a:off x="282575" y="680720"/>
+            <a:ext cx="2530475" cy="391160"/>
+          </a:xfrm>
+          <a:prstGeom prst="flowChartProcess">
+            <a:avLst/>
+          </a:prstGeom>
+          <a:solidFill>
+            <a:schemeClr val="bg1">
+              <a:lumMod val="75000"/>
+            </a:schemeClr>
+          </a:solidFill>
+          <a:ln>
+            <a:solidFill>
+              <a:schemeClr val="tx1"/>
+            </a:solidFill>
+          </a:ln>
+        </p:spPr>
+        <p:style>
+          <a:lnRef idx="2">
+            <a:schemeClr val="accent6"/>
+          </a:lnRef>
+          <a:fillRef idx="1">
+            <a:schemeClr val="lt1"/>
+          </a:fillRef>
+          <a:effectRef idx="0">
+            <a:schemeClr val="accent6"/>
+          </a:effectRef>
+          <a:fontRef idx="minor">
+            <a:schemeClr val="dk1"/>
+          </a:fontRef>
+        </p:style>
+        <p:txBody>
+          <a:bodyPr rtlCol="0" anchor="ctr"/>
+          <a:p>
+            <a:pPr algn="ctr"/>
+            <a:r>
+              <a:rPr lang="en-US" altLang="en-US" sz="1000"/>
+              <a:t>Correct energy demand, according with equipment efficiency</a:t>
+            </a:r>
+            <a:endParaRPr lang="en-US" altLang="en-US" sz="1000"/>
+          </a:p>
+        </p:txBody>
+      </p:sp>
+      <p:sp>
+        <p:nvSpPr>
+          <p:cNvPr id="10" name="Flowchart: Process 9"/>
+          <p:cNvSpPr/>
+          <p:nvPr/>
+        </p:nvSpPr>
+        <p:spPr>
+          <a:xfrm>
+            <a:off x="285750" y="1171575"/>
+            <a:ext cx="2530475" cy="635000"/>
+          </a:xfrm>
+          <a:prstGeom prst="flowChartProcess">
+            <a:avLst/>
+          </a:prstGeom>
+          <a:solidFill>
+            <a:schemeClr val="bg1">
+              <a:lumMod val="75000"/>
+            </a:schemeClr>
+          </a:solidFill>
+          <a:ln>
+            <a:solidFill>
+              <a:schemeClr val="tx1"/>
+            </a:solidFill>
+          </a:ln>
+        </p:spPr>
+        <p:style>
+          <a:lnRef idx="2">
+            <a:schemeClr val="accent6"/>
+          </a:lnRef>
+          <a:fillRef idx="1">
+            <a:schemeClr val="lt1"/>
+          </a:fillRef>
+          <a:effectRef idx="0">
+            <a:schemeClr val="accent6"/>
+          </a:effectRef>
+          <a:fontRef idx="minor">
+            <a:schemeClr val="dk1"/>
+          </a:fontRef>
+        </p:style>
+        <p:txBody>
+          <a:bodyPr rtlCol="0" anchor="ctr"/>
+          <a:p>
+            <a:pPr algn="ctr"/>
+            <a:r>
+              <a:rPr lang="en-US" altLang="en-US" sz="1000"/>
+              <a:t>Calculate minimum power to be provided from PV panels, according with weather information and standard electrical losses</a:t>
+            </a:r>
+            <a:endParaRPr lang="en-US" altLang="en-US" sz="1000"/>
+          </a:p>
+        </p:txBody>
+      </p:sp>
+      <p:sp>
+        <p:nvSpPr>
+          <p:cNvPr id="11" name="Flowchart: Process 10"/>
+          <p:cNvSpPr/>
+          <p:nvPr/>
+        </p:nvSpPr>
+        <p:spPr>
+          <a:xfrm>
+            <a:off x="285750" y="1920875"/>
+            <a:ext cx="2530475" cy="391160"/>
+          </a:xfrm>
+          <a:prstGeom prst="flowChartProcess">
+            <a:avLst/>
+          </a:prstGeom>
+          <a:solidFill>
+            <a:schemeClr val="bg1">
+              <a:lumMod val="75000"/>
+            </a:schemeClr>
+          </a:solidFill>
+          <a:ln>
+            <a:solidFill>
+              <a:schemeClr val="tx1"/>
+            </a:solidFill>
+          </a:ln>
+        </p:spPr>
+        <p:style>
+          <a:lnRef idx="2">
+            <a:schemeClr val="accent6"/>
+          </a:lnRef>
+          <a:fillRef idx="1">
+            <a:schemeClr val="lt1"/>
+          </a:fillRef>
+          <a:effectRef idx="0">
+            <a:schemeClr val="accent6"/>
+          </a:effectRef>
+          <a:fontRef idx="minor">
+            <a:schemeClr val="dk1"/>
+          </a:fontRef>
+        </p:style>
+        <p:txBody>
+          <a:bodyPr rtlCol="0" anchor="ctr"/>
+          <a:p>
+            <a:pPr algn="ctr"/>
+            <a:r>
+              <a:rPr lang="en-US" altLang="en-US" sz="1000"/>
+              <a:t>Define arrangement of PV panels in series and parallel</a:t>
+            </a:r>
+            <a:endParaRPr lang="en-US" altLang="en-US" sz="1000"/>
+          </a:p>
+        </p:txBody>
+      </p:sp>
+      <p:sp>
+        <p:nvSpPr>
+          <p:cNvPr id="18" name="Flowchart: Process 17"/>
+          <p:cNvSpPr/>
+          <p:nvPr/>
+        </p:nvSpPr>
+        <p:spPr>
+          <a:xfrm>
+            <a:off x="289560" y="3543300"/>
+            <a:ext cx="2530475" cy="391160"/>
+          </a:xfrm>
+          <a:prstGeom prst="flowChartProcess">
+            <a:avLst/>
+          </a:prstGeom>
+          <a:solidFill>
+            <a:schemeClr val="bg1">
+              <a:lumMod val="75000"/>
+            </a:schemeClr>
+          </a:solidFill>
+          <a:ln>
+            <a:solidFill>
+              <a:schemeClr val="tx1"/>
+            </a:solidFill>
+          </a:ln>
+        </p:spPr>
+        <p:style>
+          <a:lnRef idx="2">
+            <a:schemeClr val="accent6"/>
+          </a:lnRef>
+          <a:fillRef idx="1">
+            <a:schemeClr val="lt1"/>
+          </a:fillRef>
+          <a:effectRef idx="0">
+            <a:schemeClr val="accent6"/>
+          </a:effectRef>
+          <a:fontRef idx="minor">
+            <a:schemeClr val="dk1"/>
+          </a:fontRef>
+        </p:style>
+        <p:txBody>
+          <a:bodyPr rtlCol="0" anchor="ctr"/>
+          <a:p>
+            <a:pPr algn="ctr"/>
+            <a:r>
+              <a:rPr lang="en-US" altLang="en-US" sz="1000"/>
+              <a:t>Calculate energy demand from batteries</a:t>
+            </a:r>
+            <a:endParaRPr lang="en-US" altLang="en-US" sz="1000"/>
+          </a:p>
+        </p:txBody>
+      </p:sp>
+      <p:sp>
+        <p:nvSpPr>
+          <p:cNvPr id="19" name="Flowchart: Alternate Process 18"/>
+          <p:cNvSpPr/>
+          <p:nvPr/>
+        </p:nvSpPr>
+        <p:spPr>
+          <a:xfrm>
+            <a:off x="283210" y="5530215"/>
+            <a:ext cx="2529840" cy="478790"/>
+          </a:xfrm>
+          <a:prstGeom prst="flowChartAlternateProcess">
+            <a:avLst/>
+          </a:prstGeom>
+          <a:solidFill>
+            <a:schemeClr val="bg1">
+              <a:lumMod val="50000"/>
+            </a:schemeClr>
+          </a:solidFill>
+          <a:ln>
+            <a:solidFill>
+              <a:schemeClr val="tx1"/>
+            </a:solidFill>
+          </a:ln>
+        </p:spPr>
+        <p:style>
+          <a:lnRef idx="2">
+            <a:schemeClr val="accent1">
+              <a:shade val="50000"/>
+            </a:schemeClr>
+          </a:lnRef>
+          <a:fillRef idx="1">
+            <a:schemeClr val="accent1"/>
+          </a:fillRef>
+          <a:effectRef idx="0">
+            <a:schemeClr val="accent1"/>
+          </a:effectRef>
+          <a:fontRef idx="minor">
+            <a:schemeClr val="lt1"/>
+          </a:fontRef>
+        </p:style>
+        <p:txBody>
+          <a:bodyPr rtlCol="0" anchor="ctr"/>
+          <a:p>
+            <a:pPr algn="ctr"/>
+            <a:r>
+              <a:rPr lang="en-US" altLang="en-US" sz="1000">
+                <a:sym typeface="+mn-ea"/>
+              </a:rPr>
+              <a:t>Check electrical compatibility between the charge controller  and the adopted DC bus voltage</a:t>
+            </a:r>
+            <a:endParaRPr lang="en-US" altLang="en-US" sz="1000">
+              <a:sym typeface="+mn-ea"/>
+            </a:endParaRPr>
+          </a:p>
+        </p:txBody>
+      </p:sp>
+      <p:sp>
+        <p:nvSpPr>
+          <p:cNvPr id="20" name="Flowchart: Process 19"/>
+          <p:cNvSpPr/>
+          <p:nvPr/>
+        </p:nvSpPr>
+        <p:spPr>
+          <a:xfrm>
+            <a:off x="285750" y="4053840"/>
+            <a:ext cx="2530475" cy="391160"/>
+          </a:xfrm>
+          <a:prstGeom prst="flowChartProcess">
+            <a:avLst/>
+          </a:prstGeom>
+          <a:solidFill>
+            <a:schemeClr val="bg1">
+              <a:lumMod val="75000"/>
+            </a:schemeClr>
+          </a:solidFill>
+          <a:ln>
+            <a:solidFill>
+              <a:schemeClr val="tx1"/>
+            </a:solidFill>
+          </a:ln>
+        </p:spPr>
+        <p:style>
+          <a:lnRef idx="2">
+            <a:schemeClr val="accent6"/>
+          </a:lnRef>
+          <a:fillRef idx="1">
+            <a:schemeClr val="lt1"/>
+          </a:fillRef>
+          <a:effectRef idx="0">
+            <a:schemeClr val="accent6"/>
+          </a:effectRef>
+          <a:fontRef idx="minor">
+            <a:schemeClr val="dk1"/>
+          </a:fontRef>
+        </p:style>
+        <p:txBody>
+          <a:bodyPr rtlCol="0" anchor="ctr"/>
+          <a:p>
+            <a:pPr algn="ctr"/>
+            <a:r>
+              <a:rPr lang="en-US" altLang="en-US" sz="1000"/>
+              <a:t>Calculate the minimum energy from DC-bus</a:t>
+            </a:r>
+            <a:endParaRPr lang="en-US" altLang="en-US" sz="1000"/>
+          </a:p>
+        </p:txBody>
+      </p:sp>
+      <p:sp>
+        <p:nvSpPr>
+          <p:cNvPr id="21" name="Flowchart: Process 20"/>
+          <p:cNvSpPr/>
+          <p:nvPr/>
+        </p:nvSpPr>
+        <p:spPr>
+          <a:xfrm>
+            <a:off x="289560" y="4572635"/>
+            <a:ext cx="2530475" cy="391160"/>
+          </a:xfrm>
+          <a:prstGeom prst="flowChartProcess">
+            <a:avLst/>
+          </a:prstGeom>
+          <a:solidFill>
+            <a:schemeClr val="bg1">
+              <a:lumMod val="75000"/>
+            </a:schemeClr>
+          </a:solidFill>
+          <a:ln>
+            <a:solidFill>
+              <a:schemeClr val="tx1"/>
+            </a:solidFill>
+          </a:ln>
+        </p:spPr>
+        <p:style>
+          <a:lnRef idx="2">
+            <a:schemeClr val="accent6"/>
+          </a:lnRef>
+          <a:fillRef idx="1">
+            <a:schemeClr val="lt1"/>
+          </a:fillRef>
+          <a:effectRef idx="0">
+            <a:schemeClr val="accent6"/>
+          </a:effectRef>
+          <a:fontRef idx="minor">
+            <a:schemeClr val="dk1"/>
+          </a:fontRef>
+        </p:style>
+        <p:txBody>
+          <a:bodyPr rtlCol="0" anchor="ctr"/>
+          <a:p>
+            <a:pPr algn="ctr"/>
+            <a:r>
+              <a:rPr lang="en-US" altLang="en-US" sz="1000"/>
+              <a:t>Calculate the battery bank capacity</a:t>
+            </a:r>
+            <a:endParaRPr lang="en-US" altLang="en-US" sz="1000"/>
+          </a:p>
+        </p:txBody>
+      </p:sp>
+      <p:sp>
+        <p:nvSpPr>
+          <p:cNvPr id="22" name="Flowchart: Process 21"/>
+          <p:cNvSpPr/>
+          <p:nvPr/>
+        </p:nvSpPr>
+        <p:spPr>
+          <a:xfrm>
+            <a:off x="282575" y="5048250"/>
+            <a:ext cx="2530475" cy="391160"/>
+          </a:xfrm>
+          <a:prstGeom prst="flowChartProcess">
+            <a:avLst/>
+          </a:prstGeom>
+          <a:solidFill>
+            <a:schemeClr val="bg1">
+              <a:lumMod val="75000"/>
+            </a:schemeClr>
+          </a:solidFill>
+          <a:ln>
+            <a:solidFill>
+              <a:schemeClr val="tx1"/>
+            </a:solidFill>
+          </a:ln>
+        </p:spPr>
+        <p:style>
+          <a:lnRef idx="2">
+            <a:schemeClr val="accent6"/>
+          </a:lnRef>
+          <a:fillRef idx="1">
+            <a:schemeClr val="lt1"/>
+          </a:fillRef>
+          <a:effectRef idx="0">
+            <a:schemeClr val="accent6"/>
+          </a:effectRef>
+          <a:fontRef idx="minor">
+            <a:schemeClr val="dk1"/>
+          </a:fontRef>
+        </p:style>
+        <p:txBody>
+          <a:bodyPr rtlCol="0" anchor="ctr"/>
+          <a:p>
+            <a:pPr algn="ctr"/>
+            <a:r>
+              <a:rPr lang="en-US" altLang="en-US" sz="1000"/>
+              <a:t>ix - Define arrangement of batteries in series and parallel</a:t>
+            </a:r>
+            <a:endParaRPr lang="en-US" altLang="en-US" sz="1000"/>
+          </a:p>
+        </p:txBody>
+      </p:sp>
+      <p:sp>
+        <p:nvSpPr>
+          <p:cNvPr id="23" name="Flowchart: Alternate Process 22"/>
+          <p:cNvSpPr/>
+          <p:nvPr/>
+        </p:nvSpPr>
+        <p:spPr>
+          <a:xfrm>
+            <a:off x="282575" y="6599555"/>
+            <a:ext cx="2529840" cy="586105"/>
+          </a:xfrm>
+          <a:prstGeom prst="flowChartAlternateProcess">
+            <a:avLst/>
+          </a:prstGeom>
+          <a:solidFill>
+            <a:schemeClr val="bg1">
+              <a:lumMod val="50000"/>
+            </a:schemeClr>
+          </a:solidFill>
+          <a:ln>
+            <a:solidFill>
+              <a:schemeClr val="tx1"/>
+            </a:solidFill>
+          </a:ln>
+        </p:spPr>
+        <p:style>
+          <a:lnRef idx="2">
+            <a:schemeClr val="accent1">
+              <a:shade val="50000"/>
+            </a:schemeClr>
+          </a:lnRef>
+          <a:fillRef idx="1">
+            <a:schemeClr val="accent1"/>
+          </a:fillRef>
+          <a:effectRef idx="0">
+            <a:schemeClr val="accent1"/>
+          </a:effectRef>
+          <a:fontRef idx="minor">
+            <a:schemeClr val="lt1"/>
+          </a:fontRef>
+        </p:style>
+        <p:txBody>
+          <a:bodyPr rtlCol="0" anchor="ctr"/>
+          <a:p>
+            <a:pPr algn="ctr"/>
+            <a:r>
+              <a:rPr lang="en-US" altLang="en-US" sz="1000">
+                <a:sym typeface="+mn-ea"/>
+              </a:rPr>
+              <a:t>Check electrical compatibility: minimum current produced from panels and the charge controller current</a:t>
+            </a:r>
+            <a:endParaRPr lang="en-US" altLang="en-US" sz="1000">
+              <a:sym typeface="+mn-ea"/>
+            </a:endParaRPr>
+          </a:p>
+        </p:txBody>
+      </p:sp>
+      <p:sp>
+        <p:nvSpPr>
+          <p:cNvPr id="25" name="Flowchart: Alternate Process 24"/>
+          <p:cNvSpPr/>
+          <p:nvPr/>
+        </p:nvSpPr>
+        <p:spPr>
+          <a:xfrm>
+            <a:off x="290195" y="7788910"/>
+            <a:ext cx="2529840" cy="478790"/>
+          </a:xfrm>
+          <a:prstGeom prst="flowChartAlternateProcess">
+            <a:avLst/>
+          </a:prstGeom>
+          <a:solidFill>
+            <a:schemeClr val="bg1">
+              <a:lumMod val="50000"/>
+            </a:schemeClr>
+          </a:solidFill>
+          <a:ln>
+            <a:solidFill>
+              <a:schemeClr val="tx1"/>
+            </a:solidFill>
+          </a:ln>
+        </p:spPr>
+        <p:style>
+          <a:lnRef idx="2">
+            <a:schemeClr val="accent1">
+              <a:shade val="50000"/>
+            </a:schemeClr>
+          </a:lnRef>
+          <a:fillRef idx="1">
+            <a:schemeClr val="accent1"/>
+          </a:fillRef>
+          <a:effectRef idx="0">
+            <a:schemeClr val="accent1"/>
+          </a:effectRef>
+          <a:fontRef idx="minor">
+            <a:schemeClr val="lt1"/>
+          </a:fontRef>
+        </p:style>
+        <p:txBody>
+          <a:bodyPr rtlCol="0" anchor="ctr"/>
+          <a:p>
+            <a:pPr algn="ctr"/>
+            <a:r>
+              <a:rPr lang="en-US" altLang="en-US" sz="1000">
+                <a:sym typeface="+mn-ea"/>
+              </a:rPr>
+              <a:t>Check electrical compatibility between DC inverter voltage and DC bus voltage</a:t>
+            </a:r>
+            <a:endParaRPr lang="en-US" altLang="en-US" sz="1000">
+              <a:sym typeface="+mn-ea"/>
+            </a:endParaRPr>
+          </a:p>
+        </p:txBody>
+      </p:sp>
+      <p:cxnSp>
+        <p:nvCxnSpPr>
+          <p:cNvPr id="31" name="Elbow Connector 30"/>
+          <p:cNvCxnSpPr/>
+          <p:nvPr/>
+        </p:nvCxnSpPr>
+        <p:spPr>
+          <a:xfrm rot="5400000" flipV="1">
+            <a:off x="1505585" y="1120140"/>
+            <a:ext cx="99695" cy="3175"/>
+          </a:xfrm>
+          <a:prstGeom prst="bentConnector3">
+            <a:avLst>
+              <a:gd name="adj1" fmla="val 50318"/>
+            </a:avLst>
+          </a:prstGeom>
+          <a:ln w="0">
+            <a:solidFill>
+              <a:schemeClr val="dk1"/>
+            </a:solidFill>
+            <a:tailEnd type="triangle" w="med" len="med"/>
+          </a:ln>
+        </p:spPr>
+        <p:style>
+          <a:lnRef idx="1">
+            <a:schemeClr val="dk1"/>
+          </a:lnRef>
+          <a:fillRef idx="0">
+            <a:schemeClr val="dk1"/>
+          </a:fillRef>
+          <a:effectRef idx="0">
+            <a:schemeClr val="dk1"/>
+          </a:effectRef>
+          <a:fontRef idx="minor">
+            <a:schemeClr val="tx1"/>
+          </a:fontRef>
+        </p:style>
+      </p:cxnSp>
+      <p:cxnSp>
+        <p:nvCxnSpPr>
+          <p:cNvPr id="32" name="Elbow Connector 31"/>
+          <p:cNvCxnSpPr/>
+          <p:nvPr/>
+        </p:nvCxnSpPr>
+        <p:spPr>
+          <a:xfrm rot="5400000" flipV="1">
+            <a:off x="1508760" y="1869440"/>
+            <a:ext cx="99695" cy="3175"/>
+          </a:xfrm>
+          <a:prstGeom prst="bentConnector3">
+            <a:avLst>
+              <a:gd name="adj1" fmla="val 50318"/>
+            </a:avLst>
+          </a:prstGeom>
+          <a:ln w="0">
+            <a:solidFill>
+              <a:schemeClr val="dk1"/>
+            </a:solidFill>
+            <a:tailEnd type="triangle" w="med" len="med"/>
+          </a:ln>
+        </p:spPr>
+        <p:style>
+          <a:lnRef idx="1">
+            <a:schemeClr val="dk1"/>
+          </a:lnRef>
+          <a:fillRef idx="0">
+            <a:schemeClr val="dk1"/>
+          </a:fillRef>
+          <a:effectRef idx="0">
+            <a:schemeClr val="dk1"/>
+          </a:effectRef>
+          <a:fontRef idx="minor">
+            <a:schemeClr val="tx1"/>
+          </a:fontRef>
+        </p:style>
+      </p:cxnSp>
+      <p:cxnSp>
+        <p:nvCxnSpPr>
+          <p:cNvPr id="33" name="Elbow Connector 32"/>
+          <p:cNvCxnSpPr/>
+          <p:nvPr/>
+        </p:nvCxnSpPr>
+        <p:spPr>
+          <a:xfrm rot="5400000" flipV="1">
+            <a:off x="1497330" y="2364740"/>
+            <a:ext cx="99695" cy="3175"/>
+          </a:xfrm>
+          <a:prstGeom prst="bentConnector3">
+            <a:avLst>
+              <a:gd name="adj1" fmla="val 50318"/>
+            </a:avLst>
+          </a:prstGeom>
+          <a:ln w="0">
+            <a:solidFill>
+              <a:schemeClr val="dk1"/>
+            </a:solidFill>
+            <a:tailEnd type="triangle" w="med" len="med"/>
+          </a:ln>
+        </p:spPr>
+        <p:style>
+          <a:lnRef idx="1">
+            <a:schemeClr val="dk1"/>
+          </a:lnRef>
+          <a:fillRef idx="0">
+            <a:schemeClr val="dk1"/>
+          </a:fillRef>
+          <a:effectRef idx="0">
+            <a:schemeClr val="dk1"/>
+          </a:effectRef>
+          <a:fontRef idx="minor">
+            <a:schemeClr val="tx1"/>
+          </a:fontRef>
+        </p:style>
+      </p:cxnSp>
+      <p:cxnSp>
+        <p:nvCxnSpPr>
+          <p:cNvPr id="34" name="Elbow Connector 33"/>
+          <p:cNvCxnSpPr/>
+          <p:nvPr/>
+        </p:nvCxnSpPr>
+        <p:spPr>
+          <a:xfrm rot="5400000" flipV="1">
+            <a:off x="1521460" y="5012055"/>
+            <a:ext cx="99695" cy="3175"/>
+          </a:xfrm>
+          <a:prstGeom prst="bentConnector3">
+            <a:avLst>
+              <a:gd name="adj1" fmla="val 50318"/>
+            </a:avLst>
+          </a:prstGeom>
+          <a:ln w="0">
+            <a:solidFill>
+              <a:schemeClr val="dk1"/>
+            </a:solidFill>
+            <a:tailEnd type="triangle" w="med" len="med"/>
+          </a:ln>
+        </p:spPr>
+        <p:style>
+          <a:lnRef idx="1">
+            <a:schemeClr val="dk1"/>
+          </a:lnRef>
+          <a:fillRef idx="0">
+            <a:schemeClr val="dk1"/>
+          </a:fillRef>
+          <a:effectRef idx="0">
+            <a:schemeClr val="dk1"/>
+          </a:effectRef>
+          <a:fontRef idx="minor">
+            <a:schemeClr val="tx1"/>
+          </a:fontRef>
+        </p:style>
+      </p:cxnSp>
+      <p:cxnSp>
+        <p:nvCxnSpPr>
+          <p:cNvPr id="35" name="Elbow Connector 34"/>
+          <p:cNvCxnSpPr/>
+          <p:nvPr/>
+        </p:nvCxnSpPr>
+        <p:spPr>
+          <a:xfrm rot="5400000" flipV="1">
+            <a:off x="1494155" y="3491230"/>
+            <a:ext cx="99695" cy="3175"/>
+          </a:xfrm>
+          <a:prstGeom prst="bentConnector3">
+            <a:avLst>
+              <a:gd name="adj1" fmla="val 50318"/>
+            </a:avLst>
+          </a:prstGeom>
+          <a:ln w="0">
+            <a:solidFill>
+              <a:schemeClr val="dk1"/>
+            </a:solidFill>
+            <a:tailEnd type="triangle" w="med" len="med"/>
+          </a:ln>
+        </p:spPr>
+        <p:style>
+          <a:lnRef idx="1">
+            <a:schemeClr val="dk1"/>
+          </a:lnRef>
+          <a:fillRef idx="0">
+            <a:schemeClr val="dk1"/>
+          </a:fillRef>
+          <a:effectRef idx="0">
+            <a:schemeClr val="dk1"/>
+          </a:effectRef>
+          <a:fontRef idx="minor">
+            <a:schemeClr val="tx1"/>
+          </a:fontRef>
+        </p:style>
+      </p:cxnSp>
+      <p:cxnSp>
+        <p:nvCxnSpPr>
+          <p:cNvPr id="36" name="Elbow Connector 35"/>
+          <p:cNvCxnSpPr>
+            <a:stCxn id="20" idx="2"/>
+          </p:cNvCxnSpPr>
+          <p:nvPr/>
+        </p:nvCxnSpPr>
+        <p:spPr>
+          <a:xfrm rot="5400000">
+            <a:off x="1485900" y="4507230"/>
+            <a:ext cx="127635" cy="3175"/>
+          </a:xfrm>
+          <a:prstGeom prst="bentConnector3">
+            <a:avLst>
+              <a:gd name="adj1" fmla="val 50000"/>
+            </a:avLst>
+          </a:prstGeom>
+          <a:ln w="0">
+            <a:solidFill>
+              <a:schemeClr val="dk1"/>
+            </a:solidFill>
+            <a:tailEnd type="triangle" w="med" len="med"/>
+          </a:ln>
+        </p:spPr>
+        <p:style>
+          <a:lnRef idx="1">
+            <a:schemeClr val="dk1"/>
+          </a:lnRef>
+          <a:fillRef idx="0">
+            <a:schemeClr val="dk1"/>
+          </a:fillRef>
+          <a:effectRef idx="0">
+            <a:schemeClr val="dk1"/>
+          </a:effectRef>
+          <a:fontRef idx="minor">
+            <a:schemeClr val="tx1"/>
+          </a:fontRef>
+        </p:style>
+      </p:cxnSp>
+      <p:cxnSp>
+        <p:nvCxnSpPr>
+          <p:cNvPr id="37" name="Elbow Connector 36"/>
+          <p:cNvCxnSpPr/>
+          <p:nvPr/>
+        </p:nvCxnSpPr>
+        <p:spPr>
+          <a:xfrm rot="5400000" flipV="1">
+            <a:off x="1524635" y="5487670"/>
+            <a:ext cx="99695" cy="3175"/>
+          </a:xfrm>
+          <a:prstGeom prst="bentConnector3">
+            <a:avLst>
+              <a:gd name="adj1" fmla="val 50318"/>
+            </a:avLst>
+          </a:prstGeom>
+          <a:ln w="0">
+            <a:solidFill>
+              <a:schemeClr val="dk1"/>
+            </a:solidFill>
+            <a:tailEnd type="triangle" w="med" len="med"/>
+          </a:ln>
+        </p:spPr>
+        <p:style>
+          <a:lnRef idx="1">
+            <a:schemeClr val="dk1"/>
+          </a:lnRef>
+          <a:fillRef idx="0">
+            <a:schemeClr val="dk1"/>
+          </a:fillRef>
+          <a:effectRef idx="0">
+            <a:schemeClr val="dk1"/>
+          </a:effectRef>
+          <a:fontRef idx="minor">
+            <a:schemeClr val="tx1"/>
+          </a:fontRef>
+        </p:style>
+      </p:cxnSp>
+      <p:cxnSp>
+        <p:nvCxnSpPr>
+          <p:cNvPr id="38" name="Elbow Connector 37"/>
+          <p:cNvCxnSpPr/>
+          <p:nvPr/>
+        </p:nvCxnSpPr>
+        <p:spPr>
+          <a:xfrm rot="5400000" flipV="1">
+            <a:off x="1521460" y="6057265"/>
+            <a:ext cx="99695" cy="3175"/>
+          </a:xfrm>
+          <a:prstGeom prst="bentConnector3">
+            <a:avLst>
+              <a:gd name="adj1" fmla="val 50318"/>
+            </a:avLst>
+          </a:prstGeom>
+          <a:ln w="0">
+            <a:solidFill>
+              <a:schemeClr val="dk1"/>
+            </a:solidFill>
+            <a:tailEnd type="triangle" w="med" len="med"/>
+          </a:ln>
+        </p:spPr>
+        <p:style>
+          <a:lnRef idx="1">
+            <a:schemeClr val="dk1"/>
+          </a:lnRef>
+          <a:fillRef idx="0">
+            <a:schemeClr val="dk1"/>
+          </a:fillRef>
+          <a:effectRef idx="0">
+            <a:schemeClr val="dk1"/>
+          </a:effectRef>
+          <a:fontRef idx="minor">
+            <a:schemeClr val="tx1"/>
+          </a:fontRef>
+        </p:style>
+      </p:cxnSp>
+      <p:cxnSp>
+        <p:nvCxnSpPr>
+          <p:cNvPr id="39" name="Elbow Connector 38"/>
+          <p:cNvCxnSpPr/>
+          <p:nvPr/>
+        </p:nvCxnSpPr>
+        <p:spPr>
+          <a:xfrm rot="5400000" flipV="1">
+            <a:off x="1527810" y="7247255"/>
+            <a:ext cx="99695" cy="3175"/>
+          </a:xfrm>
+          <a:prstGeom prst="bentConnector3">
+            <a:avLst>
+              <a:gd name="adj1" fmla="val 50318"/>
+            </a:avLst>
+          </a:prstGeom>
+          <a:ln w="0">
+            <a:solidFill>
+              <a:schemeClr val="dk1"/>
+            </a:solidFill>
+            <a:tailEnd type="triangle" w="med" len="med"/>
+          </a:ln>
+        </p:spPr>
+        <p:style>
+          <a:lnRef idx="1">
+            <a:schemeClr val="dk1"/>
+          </a:lnRef>
+          <a:fillRef idx="0">
+            <a:schemeClr val="dk1"/>
+          </a:fillRef>
+          <a:effectRef idx="0">
+            <a:schemeClr val="dk1"/>
+          </a:effectRef>
+          <a:fontRef idx="minor">
+            <a:schemeClr val="tx1"/>
+          </a:fontRef>
+        </p:style>
+      </p:cxnSp>
+      <p:cxnSp>
+        <p:nvCxnSpPr>
+          <p:cNvPr id="40" name="Elbow Connector 39"/>
+          <p:cNvCxnSpPr>
+            <a:stCxn id="8" idx="2"/>
+          </p:cNvCxnSpPr>
+          <p:nvPr/>
+        </p:nvCxnSpPr>
+        <p:spPr>
+          <a:xfrm rot="5400000">
+            <a:off x="1477010" y="4004945"/>
+            <a:ext cx="129540" cy="6985"/>
+          </a:xfrm>
+          <a:prstGeom prst="bentConnector3">
+            <a:avLst>
+              <a:gd name="adj1" fmla="val 49755"/>
+            </a:avLst>
+          </a:prstGeom>
+          <a:ln w="0">
+            <a:solidFill>
+              <a:schemeClr val="dk1"/>
+            </a:solidFill>
+            <a:tailEnd type="triangle" w="med" len="med"/>
+          </a:ln>
+        </p:spPr>
+        <p:style>
+          <a:lnRef idx="1">
+            <a:schemeClr val="dk1"/>
+          </a:lnRef>
+          <a:fillRef idx="0">
+            <a:schemeClr val="dk1"/>
+          </a:fillRef>
+          <a:effectRef idx="0">
+            <a:schemeClr val="dk1"/>
+          </a:effectRef>
+          <a:fontRef idx="minor">
+            <a:schemeClr val="tx1"/>
+          </a:fontRef>
+        </p:style>
+      </p:cxnSp>
+      <p:cxnSp>
+        <p:nvCxnSpPr>
+          <p:cNvPr id="42" name="Elbow Connector 41"/>
+          <p:cNvCxnSpPr/>
+          <p:nvPr/>
+        </p:nvCxnSpPr>
+        <p:spPr>
+          <a:xfrm rot="5400000" flipV="1">
+            <a:off x="1521460" y="7737475"/>
+            <a:ext cx="99695" cy="3175"/>
+          </a:xfrm>
+          <a:prstGeom prst="bentConnector3">
+            <a:avLst>
+              <a:gd name="adj1" fmla="val 50318"/>
+            </a:avLst>
+          </a:prstGeom>
+          <a:ln w="0">
+            <a:solidFill>
+              <a:schemeClr val="dk1"/>
+            </a:solidFill>
+            <a:tailEnd type="triangle" w="med" len="med"/>
+          </a:ln>
+        </p:spPr>
+        <p:style>
+          <a:lnRef idx="1">
+            <a:schemeClr val="dk1"/>
+          </a:lnRef>
+          <a:fillRef idx="0">
+            <a:schemeClr val="dk1"/>
+          </a:fillRef>
+          <a:effectRef idx="0">
+            <a:schemeClr val="dk1"/>
+          </a:effectRef>
+          <a:fontRef idx="minor">
+            <a:schemeClr val="tx1"/>
+          </a:fontRef>
+        </p:style>
+      </p:cxnSp>
+      <p:sp>
+        <p:nvSpPr>
+          <p:cNvPr id="49" name="Left Arrow 48"/>
+          <p:cNvSpPr/>
+          <p:nvPr/>
+        </p:nvSpPr>
+        <p:spPr>
+          <a:xfrm>
+            <a:off x="2952750" y="1724660"/>
+            <a:ext cx="1261745" cy="615315"/>
+          </a:xfrm>
+          <a:prstGeom prst="leftArrow">
+            <a:avLst/>
+          </a:prstGeom>
+          <a:ln>
+            <a:solidFill>
+              <a:schemeClr val="tx1"/>
+            </a:solidFill>
+          </a:ln>
+        </p:spPr>
+        <p:style>
+          <a:lnRef idx="2">
+            <a:schemeClr val="accent6"/>
+          </a:lnRef>
+          <a:fillRef idx="1">
+            <a:schemeClr val="lt1"/>
+          </a:fillRef>
+          <a:effectRef idx="0">
+            <a:schemeClr val="accent6"/>
+          </a:effectRef>
+          <a:fontRef idx="minor">
+            <a:schemeClr val="dk1"/>
+          </a:fontRef>
+        </p:style>
+        <p:txBody>
+          <a:bodyPr rtlCol="0" anchor="ctr"/>
+          <a:p>
+            <a:pPr algn="ctr"/>
+            <a:r>
+              <a:rPr lang="en-US" altLang="en-US" sz="1000"/>
+              <a:t>Define PV panels config.</a:t>
+            </a:r>
+            <a:endParaRPr lang="en-US" altLang="en-US" sz="1000"/>
+          </a:p>
+        </p:txBody>
+      </p:sp>
+      <p:sp>
+        <p:nvSpPr>
+          <p:cNvPr id="50" name="Left Arrow 49"/>
+          <p:cNvSpPr/>
+          <p:nvPr/>
+        </p:nvSpPr>
+        <p:spPr>
+          <a:xfrm>
+            <a:off x="2952750" y="2920365"/>
+            <a:ext cx="1264920" cy="615315"/>
+          </a:xfrm>
+          <a:prstGeom prst="leftArrow">
+            <a:avLst/>
+          </a:prstGeom>
+          <a:ln>
+            <a:solidFill>
+              <a:schemeClr val="tx1"/>
+            </a:solidFill>
+          </a:ln>
+        </p:spPr>
+        <p:style>
+          <a:lnRef idx="2">
+            <a:schemeClr val="accent6"/>
+          </a:lnRef>
+          <a:fillRef idx="1">
+            <a:schemeClr val="lt1"/>
+          </a:fillRef>
+          <a:effectRef idx="0">
+            <a:schemeClr val="accent6"/>
+          </a:effectRef>
+          <a:fontRef idx="minor">
+            <a:schemeClr val="dk1"/>
+          </a:fontRef>
+        </p:style>
+        <p:txBody>
+          <a:bodyPr rtlCol="0" anchor="ctr"/>
+          <a:p>
+            <a:pPr algn="ctr"/>
+            <a:r>
+              <a:rPr lang="en-US" altLang="en-US" sz="1000"/>
+              <a:t>Define charge controller</a:t>
+            </a:r>
+            <a:endParaRPr lang="en-US" altLang="en-US" sz="1000"/>
+          </a:p>
+        </p:txBody>
+      </p:sp>
+      <p:sp>
+        <p:nvSpPr>
+          <p:cNvPr id="51" name="Left Arrow 50"/>
+          <p:cNvSpPr/>
+          <p:nvPr/>
+        </p:nvSpPr>
+        <p:spPr>
+          <a:xfrm>
+            <a:off x="2949575" y="5394960"/>
+            <a:ext cx="1264920" cy="615315"/>
+          </a:xfrm>
+          <a:prstGeom prst="leftArrow">
+            <a:avLst/>
+          </a:prstGeom>
+          <a:ln>
+            <a:solidFill>
+              <a:schemeClr val="tx1"/>
+            </a:solidFill>
+          </a:ln>
+        </p:spPr>
+        <p:style>
+          <a:lnRef idx="2">
+            <a:schemeClr val="accent6"/>
+          </a:lnRef>
+          <a:fillRef idx="1">
+            <a:schemeClr val="lt1"/>
+          </a:fillRef>
+          <a:effectRef idx="0">
+            <a:schemeClr val="accent6"/>
+          </a:effectRef>
+          <a:fontRef idx="minor">
+            <a:schemeClr val="dk1"/>
+          </a:fontRef>
+        </p:style>
+        <p:txBody>
+          <a:bodyPr rtlCol="0" anchor="ctr"/>
+          <a:p>
+            <a:pPr algn="ctr"/>
+            <a:r>
+              <a:rPr lang="en-US" altLang="en-US" sz="1000"/>
+              <a:t>Define batteries</a:t>
+            </a:r>
+            <a:endParaRPr lang="en-US" altLang="en-US" sz="1000"/>
+          </a:p>
+        </p:txBody>
+      </p:sp>
+      <p:sp>
+        <p:nvSpPr>
+          <p:cNvPr id="2" name="Flowchart: Process 1"/>
+          <p:cNvSpPr/>
+          <p:nvPr/>
+        </p:nvSpPr>
+        <p:spPr>
+          <a:xfrm>
+            <a:off x="273050" y="680720"/>
+            <a:ext cx="2530475" cy="391160"/>
+          </a:xfrm>
+          <a:prstGeom prst="flowChartProcess">
+            <a:avLst/>
+          </a:prstGeom>
+          <a:solidFill>
+            <a:schemeClr val="bg1">
+              <a:lumMod val="75000"/>
+            </a:schemeClr>
+          </a:solidFill>
+          <a:ln>
+            <a:solidFill>
+              <a:schemeClr val="tx1"/>
+            </a:solidFill>
+          </a:ln>
+        </p:spPr>
+        <p:style>
+          <a:lnRef idx="2">
+            <a:schemeClr val="accent6"/>
+          </a:lnRef>
+          <a:fillRef idx="1">
+            <a:schemeClr val="lt1"/>
+          </a:fillRef>
+          <a:effectRef idx="0">
+            <a:schemeClr val="accent6"/>
+          </a:effectRef>
+          <a:fontRef idx="minor">
+            <a:schemeClr val="dk1"/>
+          </a:fontRef>
+        </p:style>
+        <p:txBody>
+          <a:bodyPr rtlCol="0" anchor="ctr"/>
+          <a:p>
+            <a:pPr algn="ctr"/>
+            <a:r>
+              <a:rPr lang="en-US" altLang="en-US" sz="1000"/>
+              <a:t>i - Correct energy demand, according with equipment efficiency</a:t>
+            </a:r>
+            <a:endParaRPr lang="en-US" altLang="en-US" sz="1000"/>
+          </a:p>
+        </p:txBody>
+      </p:sp>
+      <p:sp>
+        <p:nvSpPr>
+          <p:cNvPr id="3" name="Flowchart: Process 2"/>
+          <p:cNvSpPr/>
+          <p:nvPr/>
+        </p:nvSpPr>
+        <p:spPr>
+          <a:xfrm>
+            <a:off x="276225" y="1171575"/>
+            <a:ext cx="2530475" cy="635000"/>
+          </a:xfrm>
+          <a:prstGeom prst="flowChartProcess">
+            <a:avLst/>
+          </a:prstGeom>
+          <a:solidFill>
+            <a:schemeClr val="bg1">
+              <a:lumMod val="75000"/>
+            </a:schemeClr>
+          </a:solidFill>
+          <a:ln>
+            <a:solidFill>
+              <a:schemeClr val="tx1"/>
+            </a:solidFill>
+          </a:ln>
+        </p:spPr>
+        <p:style>
+          <a:lnRef idx="2">
+            <a:schemeClr val="accent6"/>
+          </a:lnRef>
+          <a:fillRef idx="1">
+            <a:schemeClr val="lt1"/>
+          </a:fillRef>
+          <a:effectRef idx="0">
+            <a:schemeClr val="accent6"/>
+          </a:effectRef>
+          <a:fontRef idx="minor">
+            <a:schemeClr val="dk1"/>
+          </a:fontRef>
+        </p:style>
+        <p:txBody>
+          <a:bodyPr rtlCol="0" anchor="ctr"/>
+          <a:p>
+            <a:pPr algn="ctr"/>
+            <a:r>
+              <a:rPr lang="en-US" altLang="en-US" sz="1000"/>
+              <a:t>ii - Calculate minimum power to be provided from PV panels, according with weather information and standard electrical losses</a:t>
+            </a:r>
+            <a:endParaRPr lang="en-US" altLang="en-US" sz="1000"/>
+          </a:p>
+        </p:txBody>
+      </p:sp>
+      <p:sp>
+        <p:nvSpPr>
+          <p:cNvPr id="4" name="Flowchart: Process 3"/>
+          <p:cNvSpPr/>
+          <p:nvPr/>
+        </p:nvSpPr>
+        <p:spPr>
+          <a:xfrm>
+            <a:off x="276225" y="1920875"/>
+            <a:ext cx="2530475" cy="391160"/>
+          </a:xfrm>
+          <a:prstGeom prst="flowChartProcess">
+            <a:avLst/>
+          </a:prstGeom>
+          <a:solidFill>
+            <a:schemeClr val="bg1">
+              <a:lumMod val="75000"/>
+            </a:schemeClr>
+          </a:solidFill>
+          <a:ln>
+            <a:solidFill>
+              <a:schemeClr val="tx1"/>
+            </a:solidFill>
+          </a:ln>
+        </p:spPr>
+        <p:style>
+          <a:lnRef idx="2">
+            <a:schemeClr val="accent6"/>
+          </a:lnRef>
+          <a:fillRef idx="1">
+            <a:schemeClr val="lt1"/>
+          </a:fillRef>
+          <a:effectRef idx="0">
+            <a:schemeClr val="accent6"/>
+          </a:effectRef>
+          <a:fontRef idx="minor">
+            <a:schemeClr val="dk1"/>
+          </a:fontRef>
+        </p:style>
+        <p:txBody>
+          <a:bodyPr rtlCol="0" anchor="ctr"/>
+          <a:p>
+            <a:pPr algn="ctr"/>
+            <a:r>
+              <a:rPr lang="en-US" altLang="en-US" sz="1000"/>
+              <a:t>iii - Define arrangement of PV panels in series and parallel</a:t>
+            </a:r>
+            <a:endParaRPr lang="en-US" altLang="en-US" sz="1000"/>
+          </a:p>
+        </p:txBody>
+      </p:sp>
+      <p:sp>
+        <p:nvSpPr>
+          <p:cNvPr id="8" name="Flowchart: Process 7"/>
+          <p:cNvSpPr/>
+          <p:nvPr/>
+        </p:nvSpPr>
+        <p:spPr>
+          <a:xfrm>
+            <a:off x="280035" y="3552825"/>
+            <a:ext cx="2530475" cy="391160"/>
+          </a:xfrm>
+          <a:prstGeom prst="flowChartProcess">
+            <a:avLst/>
+          </a:prstGeom>
+          <a:solidFill>
+            <a:schemeClr val="bg1">
+              <a:lumMod val="75000"/>
+            </a:schemeClr>
+          </a:solidFill>
+          <a:ln>
+            <a:solidFill>
+              <a:schemeClr val="tx1"/>
+            </a:solidFill>
+          </a:ln>
+        </p:spPr>
+        <p:style>
+          <a:lnRef idx="2">
+            <a:schemeClr val="accent6"/>
+          </a:lnRef>
+          <a:fillRef idx="1">
+            <a:schemeClr val="lt1"/>
+          </a:fillRef>
+          <a:effectRef idx="0">
+            <a:schemeClr val="accent6"/>
+          </a:effectRef>
+          <a:fontRef idx="minor">
+            <a:schemeClr val="dk1"/>
+          </a:fontRef>
+        </p:style>
+        <p:txBody>
+          <a:bodyPr rtlCol="0" anchor="ctr"/>
+          <a:p>
+            <a:pPr algn="ctr"/>
+            <a:r>
+              <a:rPr lang="en-US" altLang="en-US" sz="1000"/>
+              <a:t>vi - Calculate energy demand from batteries</a:t>
+            </a:r>
+            <a:endParaRPr lang="en-US" altLang="en-US" sz="1000"/>
+          </a:p>
+        </p:txBody>
+      </p:sp>
+      <p:sp>
+        <p:nvSpPr>
+          <p:cNvPr id="12" name="Flowchart: Alternate Process 11"/>
+          <p:cNvSpPr/>
+          <p:nvPr/>
+        </p:nvSpPr>
+        <p:spPr>
+          <a:xfrm>
+            <a:off x="273685" y="5530215"/>
+            <a:ext cx="2529840" cy="478790"/>
+          </a:xfrm>
+          <a:prstGeom prst="flowChartAlternateProcess">
+            <a:avLst/>
+          </a:prstGeom>
+          <a:solidFill>
+            <a:schemeClr val="bg1">
+              <a:lumMod val="50000"/>
+            </a:schemeClr>
+          </a:solidFill>
+          <a:ln>
+            <a:solidFill>
+              <a:schemeClr val="tx1"/>
+            </a:solidFill>
+          </a:ln>
+        </p:spPr>
+        <p:style>
+          <a:lnRef idx="2">
+            <a:schemeClr val="accent1">
+              <a:shade val="50000"/>
+            </a:schemeClr>
+          </a:lnRef>
+          <a:fillRef idx="1">
+            <a:schemeClr val="accent1"/>
+          </a:fillRef>
+          <a:effectRef idx="0">
+            <a:schemeClr val="accent1"/>
+          </a:effectRef>
+          <a:fontRef idx="minor">
+            <a:schemeClr val="lt1"/>
+          </a:fontRef>
+        </p:style>
+        <p:txBody>
+          <a:bodyPr rtlCol="0" anchor="ctr"/>
+          <a:p>
+            <a:pPr algn="ctr"/>
+            <a:r>
+              <a:rPr lang="en-US" altLang="en-US" sz="1000">
+                <a:sym typeface="+mn-ea"/>
+              </a:rPr>
+              <a:t>x - Check electrical compatibility between the charge controller  and the adopted DC bus voltage</a:t>
+            </a:r>
+            <a:endParaRPr lang="en-US" altLang="en-US" sz="1000">
+              <a:sym typeface="+mn-ea"/>
+            </a:endParaRPr>
+          </a:p>
+        </p:txBody>
+      </p:sp>
+      <p:sp>
+        <p:nvSpPr>
+          <p:cNvPr id="28" name="Flowchart: Process 27"/>
+          <p:cNvSpPr/>
+          <p:nvPr/>
+        </p:nvSpPr>
+        <p:spPr>
+          <a:xfrm>
+            <a:off x="276225" y="4063365"/>
+            <a:ext cx="2530475" cy="391160"/>
+          </a:xfrm>
+          <a:prstGeom prst="flowChartProcess">
+            <a:avLst/>
+          </a:prstGeom>
+          <a:solidFill>
+            <a:schemeClr val="bg1">
+              <a:lumMod val="75000"/>
+            </a:schemeClr>
+          </a:solidFill>
+          <a:ln>
+            <a:solidFill>
+              <a:schemeClr val="tx1"/>
+            </a:solidFill>
+          </a:ln>
+        </p:spPr>
+        <p:style>
+          <a:lnRef idx="2">
+            <a:schemeClr val="accent6"/>
+          </a:lnRef>
+          <a:fillRef idx="1">
+            <a:schemeClr val="lt1"/>
+          </a:fillRef>
+          <a:effectRef idx="0">
+            <a:schemeClr val="accent6"/>
+          </a:effectRef>
+          <a:fontRef idx="minor">
+            <a:schemeClr val="dk1"/>
+          </a:fontRef>
+        </p:style>
+        <p:txBody>
+          <a:bodyPr rtlCol="0" anchor="ctr"/>
+          <a:p>
+            <a:pPr algn="ctr"/>
+            <a:r>
+              <a:rPr lang="en-US" altLang="en-US" sz="1000"/>
+              <a:t>vii - Calculate the minimum energy from DC-bus</a:t>
+            </a:r>
+            <a:endParaRPr lang="en-US" altLang="en-US" sz="1000"/>
+          </a:p>
+        </p:txBody>
+      </p:sp>
+      <p:sp>
+        <p:nvSpPr>
+          <p:cNvPr id="29" name="Flowchart: Process 28"/>
+          <p:cNvSpPr/>
+          <p:nvPr/>
+        </p:nvSpPr>
+        <p:spPr>
+          <a:xfrm>
+            <a:off x="280035" y="4572635"/>
+            <a:ext cx="2530475" cy="391160"/>
+          </a:xfrm>
+          <a:prstGeom prst="flowChartProcess">
+            <a:avLst/>
+          </a:prstGeom>
+          <a:solidFill>
+            <a:schemeClr val="bg1">
+              <a:lumMod val="75000"/>
+            </a:schemeClr>
+          </a:solidFill>
+          <a:ln>
+            <a:solidFill>
+              <a:schemeClr val="tx1"/>
+            </a:solidFill>
+          </a:ln>
+        </p:spPr>
+        <p:style>
+          <a:lnRef idx="2">
+            <a:schemeClr val="accent6"/>
+          </a:lnRef>
+          <a:fillRef idx="1">
+            <a:schemeClr val="lt1"/>
+          </a:fillRef>
+          <a:effectRef idx="0">
+            <a:schemeClr val="accent6"/>
+          </a:effectRef>
+          <a:fontRef idx="minor">
+            <a:schemeClr val="dk1"/>
+          </a:fontRef>
+        </p:style>
+        <p:txBody>
+          <a:bodyPr rtlCol="0" anchor="ctr"/>
+          <a:p>
+            <a:pPr algn="ctr"/>
+            <a:r>
+              <a:rPr lang="en-US" altLang="en-US" sz="1000"/>
+              <a:t>viii - Calculate the battery bank capacity</a:t>
+            </a:r>
+            <a:endParaRPr lang="en-US" altLang="en-US" sz="1000"/>
+          </a:p>
+        </p:txBody>
+      </p:sp>
+      <p:sp>
+        <p:nvSpPr>
+          <p:cNvPr id="41" name="Flowchart: Process 40"/>
+          <p:cNvSpPr/>
+          <p:nvPr/>
+        </p:nvSpPr>
+        <p:spPr>
+          <a:xfrm>
+            <a:off x="264795" y="6108700"/>
+            <a:ext cx="2530475" cy="391160"/>
+          </a:xfrm>
+          <a:prstGeom prst="flowChartProcess">
+            <a:avLst/>
+          </a:prstGeom>
+          <a:solidFill>
+            <a:schemeClr val="bg1">
+              <a:lumMod val="75000"/>
+            </a:schemeClr>
+          </a:solidFill>
+          <a:ln>
+            <a:solidFill>
+              <a:schemeClr val="tx1"/>
+            </a:solidFill>
+          </a:ln>
+        </p:spPr>
+        <p:style>
+          <a:lnRef idx="2">
+            <a:schemeClr val="accent6"/>
+          </a:lnRef>
+          <a:fillRef idx="1">
+            <a:schemeClr val="lt1"/>
+          </a:fillRef>
+          <a:effectRef idx="0">
+            <a:schemeClr val="accent6"/>
+          </a:effectRef>
+          <a:fontRef idx="minor">
+            <a:schemeClr val="dk1"/>
+          </a:fontRef>
+        </p:style>
+        <p:txBody>
+          <a:bodyPr rtlCol="0" anchor="ctr"/>
+          <a:p>
+            <a:pPr algn="ctr"/>
+            <a:r>
+              <a:rPr lang="en-US" altLang="en-US" sz="1000"/>
+              <a:t>xi - Correct temperature from PV panels to the ambient temperature</a:t>
+            </a:r>
+            <a:endParaRPr lang="en-US" altLang="en-US" sz="1000"/>
+          </a:p>
+        </p:txBody>
+      </p:sp>
+      <p:sp>
+        <p:nvSpPr>
+          <p:cNvPr id="54" name="Flowchart: Alternate Process 53"/>
+          <p:cNvSpPr/>
+          <p:nvPr/>
+        </p:nvSpPr>
+        <p:spPr>
+          <a:xfrm>
+            <a:off x="273050" y="6599555"/>
+            <a:ext cx="2529840" cy="586105"/>
+          </a:xfrm>
+          <a:prstGeom prst="flowChartAlternateProcess">
+            <a:avLst/>
+          </a:prstGeom>
+          <a:solidFill>
+            <a:schemeClr val="bg1">
+              <a:lumMod val="50000"/>
+            </a:schemeClr>
+          </a:solidFill>
+          <a:ln>
+            <a:solidFill>
+              <a:schemeClr val="tx1"/>
+            </a:solidFill>
+          </a:ln>
+        </p:spPr>
+        <p:style>
+          <a:lnRef idx="2">
+            <a:schemeClr val="accent1">
+              <a:shade val="50000"/>
+            </a:schemeClr>
+          </a:lnRef>
+          <a:fillRef idx="1">
+            <a:schemeClr val="accent1"/>
+          </a:fillRef>
+          <a:effectRef idx="0">
+            <a:schemeClr val="accent1"/>
+          </a:effectRef>
+          <a:fontRef idx="minor">
+            <a:schemeClr val="lt1"/>
+          </a:fontRef>
+        </p:style>
+        <p:txBody>
+          <a:bodyPr rtlCol="0" anchor="ctr"/>
+          <a:p>
+            <a:pPr algn="ctr"/>
+            <a:r>
+              <a:rPr lang="en-US" altLang="en-US" sz="1000">
+                <a:sym typeface="+mn-ea"/>
+              </a:rPr>
+              <a:t>xii - Check electrical compatibility: minimum current produced from panels and the charge controller current</a:t>
+            </a:r>
+            <a:endParaRPr lang="en-US" altLang="en-US" sz="1000">
+              <a:sym typeface="+mn-ea"/>
+            </a:endParaRPr>
+          </a:p>
+        </p:txBody>
+      </p:sp>
+      <p:sp>
+        <p:nvSpPr>
+          <p:cNvPr id="56" name="Flowchart: Alternate Process 55"/>
+          <p:cNvSpPr/>
+          <p:nvPr/>
+        </p:nvSpPr>
+        <p:spPr>
+          <a:xfrm>
+            <a:off x="280670" y="7788910"/>
+            <a:ext cx="2529840" cy="478790"/>
+          </a:xfrm>
+          <a:prstGeom prst="flowChartAlternateProcess">
+            <a:avLst/>
+          </a:prstGeom>
+          <a:solidFill>
+            <a:schemeClr val="bg1">
+              <a:lumMod val="50000"/>
+            </a:schemeClr>
+          </a:solidFill>
+          <a:ln>
+            <a:solidFill>
+              <a:schemeClr val="tx1"/>
+            </a:solidFill>
+          </a:ln>
+        </p:spPr>
+        <p:style>
+          <a:lnRef idx="2">
+            <a:schemeClr val="accent1">
+              <a:shade val="50000"/>
+            </a:schemeClr>
+          </a:lnRef>
+          <a:fillRef idx="1">
+            <a:schemeClr val="accent1"/>
+          </a:fillRef>
+          <a:effectRef idx="0">
+            <a:schemeClr val="accent1"/>
+          </a:effectRef>
+          <a:fontRef idx="minor">
+            <a:schemeClr val="lt1"/>
+          </a:fontRef>
+        </p:style>
+        <p:txBody>
+          <a:bodyPr rtlCol="0" anchor="ctr"/>
+          <a:p>
+            <a:pPr algn="ctr"/>
+            <a:r>
+              <a:rPr lang="en-US" altLang="en-US" sz="1000">
+                <a:sym typeface="+mn-ea"/>
+              </a:rPr>
+              <a:t>xiv - Check electrical compatibility among inverter and other equipment or house requirements</a:t>
+            </a:r>
+            <a:endParaRPr lang="en-US" altLang="en-US" sz="1000">
+              <a:sym typeface="+mn-ea"/>
+            </a:endParaRPr>
+          </a:p>
+        </p:txBody>
+      </p:sp>
+      <p:sp>
+        <p:nvSpPr>
+          <p:cNvPr id="77" name="Left Arrow 76"/>
+          <p:cNvSpPr/>
+          <p:nvPr/>
+        </p:nvSpPr>
+        <p:spPr>
+          <a:xfrm>
+            <a:off x="2943225" y="1724660"/>
+            <a:ext cx="1261745" cy="615315"/>
+          </a:xfrm>
+          <a:prstGeom prst="leftArrow">
+            <a:avLst/>
+          </a:prstGeom>
+          <a:ln>
+            <a:solidFill>
+              <a:schemeClr val="tx1"/>
+            </a:solidFill>
+          </a:ln>
+        </p:spPr>
+        <p:style>
+          <a:lnRef idx="2">
+            <a:schemeClr val="accent6"/>
+          </a:lnRef>
+          <a:fillRef idx="1">
+            <a:schemeClr val="lt1"/>
+          </a:fillRef>
+          <a:effectRef idx="0">
+            <a:schemeClr val="accent6"/>
+          </a:effectRef>
+          <a:fontRef idx="minor">
+            <a:schemeClr val="dk1"/>
+          </a:fontRef>
+        </p:style>
+        <p:txBody>
+          <a:bodyPr rtlCol="0" anchor="ctr"/>
+          <a:p>
+            <a:pPr algn="ctr"/>
+            <a:r>
+              <a:rPr lang="en-US" altLang="en-US" sz="1000"/>
+              <a:t>Define PV panels config.</a:t>
+            </a:r>
+            <a:endParaRPr lang="en-US" altLang="en-US" sz="1000"/>
+          </a:p>
+        </p:txBody>
+      </p:sp>
+      <p:sp>
+        <p:nvSpPr>
+          <p:cNvPr id="78" name="Left Arrow 77"/>
+          <p:cNvSpPr/>
+          <p:nvPr/>
+        </p:nvSpPr>
+        <p:spPr>
+          <a:xfrm>
+            <a:off x="2943225" y="2920365"/>
+            <a:ext cx="1264920" cy="615315"/>
+          </a:xfrm>
+          <a:prstGeom prst="leftArrow">
+            <a:avLst/>
+          </a:prstGeom>
+          <a:ln>
+            <a:solidFill>
+              <a:schemeClr val="tx1"/>
+            </a:solidFill>
+          </a:ln>
+        </p:spPr>
+        <p:style>
+          <a:lnRef idx="2">
+            <a:schemeClr val="accent6"/>
+          </a:lnRef>
+          <a:fillRef idx="1">
+            <a:schemeClr val="lt1"/>
+          </a:fillRef>
+          <a:effectRef idx="0">
+            <a:schemeClr val="accent6"/>
+          </a:effectRef>
+          <a:fontRef idx="minor">
+            <a:schemeClr val="dk1"/>
+          </a:fontRef>
+        </p:style>
+        <p:txBody>
+          <a:bodyPr rtlCol="0" anchor="ctr"/>
+          <a:p>
+            <a:pPr algn="ctr"/>
+            <a:r>
+              <a:rPr lang="en-US" altLang="en-US" sz="1000"/>
+              <a:t>Define charge controller</a:t>
+            </a:r>
+            <a:endParaRPr lang="en-US" altLang="en-US" sz="1000"/>
+          </a:p>
+        </p:txBody>
+      </p:sp>
+      <p:sp>
+        <p:nvSpPr>
+          <p:cNvPr id="79" name="Left Arrow 78"/>
+          <p:cNvSpPr/>
+          <p:nvPr/>
+        </p:nvSpPr>
+        <p:spPr>
+          <a:xfrm>
+            <a:off x="2940050" y="5394960"/>
+            <a:ext cx="1264920" cy="615315"/>
+          </a:xfrm>
+          <a:prstGeom prst="leftArrow">
+            <a:avLst/>
+          </a:prstGeom>
+          <a:ln>
+            <a:solidFill>
+              <a:schemeClr val="tx1"/>
+            </a:solidFill>
+          </a:ln>
+        </p:spPr>
+        <p:style>
+          <a:lnRef idx="2">
+            <a:schemeClr val="accent6"/>
+          </a:lnRef>
+          <a:fillRef idx="1">
+            <a:schemeClr val="lt1"/>
+          </a:fillRef>
+          <a:effectRef idx="0">
+            <a:schemeClr val="accent6"/>
+          </a:effectRef>
+          <a:fontRef idx="minor">
+            <a:schemeClr val="dk1"/>
+          </a:fontRef>
+        </p:style>
+        <p:txBody>
+          <a:bodyPr rtlCol="0" anchor="ctr"/>
+          <a:p>
+            <a:pPr algn="ctr"/>
+            <a:r>
+              <a:rPr lang="en-US" altLang="en-US" sz="1000"/>
+              <a:t>Define batteries</a:t>
+            </a:r>
+            <a:endParaRPr lang="en-US" altLang="en-US" sz="1000"/>
+          </a:p>
+        </p:txBody>
+      </p:sp>
+      <p:sp>
+        <p:nvSpPr>
+          <p:cNvPr id="80" name="Left Arrow 79"/>
+          <p:cNvSpPr/>
+          <p:nvPr/>
+        </p:nvSpPr>
+        <p:spPr>
+          <a:xfrm>
+            <a:off x="2952750" y="7706360"/>
+            <a:ext cx="1264920" cy="615315"/>
+          </a:xfrm>
+          <a:prstGeom prst="leftArrow">
+            <a:avLst/>
+          </a:prstGeom>
+          <a:ln>
+            <a:solidFill>
+              <a:schemeClr val="tx1"/>
+            </a:solidFill>
+          </a:ln>
+        </p:spPr>
+        <p:style>
+          <a:lnRef idx="2">
+            <a:schemeClr val="accent6"/>
+          </a:lnRef>
+          <a:fillRef idx="1">
+            <a:schemeClr val="lt1"/>
+          </a:fillRef>
+          <a:effectRef idx="0">
+            <a:schemeClr val="accent6"/>
+          </a:effectRef>
+          <a:fontRef idx="minor">
+            <a:schemeClr val="dk1"/>
+          </a:fontRef>
+        </p:style>
+        <p:txBody>
+          <a:bodyPr rtlCol="0" anchor="ctr"/>
+          <a:p>
+            <a:pPr algn="ctr"/>
+            <a:r>
+              <a:rPr lang="en-US" altLang="en-US" sz="1000"/>
+              <a:t>Define inverter</a:t>
+            </a:r>
+            <a:endParaRPr lang="en-US" altLang="en-US" sz="1000"/>
+          </a:p>
+        </p:txBody>
+      </p:sp>
+      <p:sp>
+        <p:nvSpPr>
+          <p:cNvPr id="15" name="Flowchart: Process 14"/>
+          <p:cNvSpPr/>
+          <p:nvPr/>
+        </p:nvSpPr>
+        <p:spPr>
+          <a:xfrm>
+            <a:off x="279400" y="2400300"/>
+            <a:ext cx="2530475" cy="481330"/>
+          </a:xfrm>
+          <a:prstGeom prst="flowChartProcess">
+            <a:avLst/>
+          </a:prstGeom>
+          <a:solidFill>
+            <a:schemeClr val="bg1">
+              <a:lumMod val="75000"/>
+            </a:schemeClr>
+          </a:solidFill>
+          <a:ln>
+            <a:solidFill>
+              <a:schemeClr val="tx1"/>
+            </a:solidFill>
+          </a:ln>
+        </p:spPr>
+        <p:style>
+          <a:lnRef idx="2">
+            <a:schemeClr val="accent6"/>
+          </a:lnRef>
+          <a:fillRef idx="1">
+            <a:schemeClr val="lt1"/>
+          </a:fillRef>
+          <a:effectRef idx="0">
+            <a:schemeClr val="accent6"/>
+          </a:effectRef>
+          <a:fontRef idx="minor">
+            <a:schemeClr val="dk1"/>
+          </a:fontRef>
+        </p:style>
+        <p:txBody>
+          <a:bodyPr rtlCol="0" anchor="ctr"/>
+          <a:p>
+            <a:pPr algn="ctr"/>
+            <a:r>
+              <a:rPr lang="en-US" altLang="en-US" sz="1000"/>
+              <a:t>iv - Calculate the minimum current and voltage supplied  from the PV panels to the charge controller</a:t>
+            </a:r>
+            <a:endParaRPr lang="en-US" altLang="en-US" sz="1000"/>
+          </a:p>
+        </p:txBody>
+      </p:sp>
+      <p:cxnSp>
+        <p:nvCxnSpPr>
+          <p:cNvPr id="16" name="Elbow Connector 15"/>
+          <p:cNvCxnSpPr/>
+          <p:nvPr/>
+        </p:nvCxnSpPr>
+        <p:spPr>
+          <a:xfrm rot="5400000" flipV="1">
+            <a:off x="1490980" y="2933065"/>
+            <a:ext cx="99695" cy="3175"/>
+          </a:xfrm>
+          <a:prstGeom prst="bentConnector3">
+            <a:avLst>
+              <a:gd name="adj1" fmla="val 50318"/>
+            </a:avLst>
+          </a:prstGeom>
+          <a:ln w="0">
+            <a:solidFill>
+              <a:schemeClr val="dk1"/>
+            </a:solidFill>
+            <a:tailEnd type="triangle" w="med" len="med"/>
+          </a:ln>
+        </p:spPr>
+        <p:style>
+          <a:lnRef idx="1">
+            <a:schemeClr val="dk1"/>
+          </a:lnRef>
+          <a:fillRef idx="0">
+            <a:schemeClr val="dk1"/>
+          </a:fillRef>
+          <a:effectRef idx="0">
+            <a:schemeClr val="dk1"/>
+          </a:effectRef>
+          <a:fontRef idx="minor">
+            <a:schemeClr val="tx1"/>
+          </a:fontRef>
+        </p:style>
+      </p:cxnSp>
+      <p:sp>
+        <p:nvSpPr>
+          <p:cNvPr id="26" name="Flowchart: Alternate Process 25"/>
+          <p:cNvSpPr/>
+          <p:nvPr/>
+        </p:nvSpPr>
+        <p:spPr>
+          <a:xfrm>
+            <a:off x="280035" y="2968625"/>
+            <a:ext cx="2529840" cy="478790"/>
+          </a:xfrm>
+          <a:prstGeom prst="flowChartAlternateProcess">
+            <a:avLst/>
+          </a:prstGeom>
+          <a:solidFill>
+            <a:schemeClr val="bg1">
+              <a:lumMod val="50000"/>
+            </a:schemeClr>
+          </a:solidFill>
+          <a:ln>
+            <a:solidFill>
+              <a:schemeClr val="tx1"/>
+            </a:solidFill>
+          </a:ln>
+        </p:spPr>
+        <p:style>
+          <a:lnRef idx="2">
+            <a:schemeClr val="accent1">
+              <a:shade val="50000"/>
+            </a:schemeClr>
+          </a:lnRef>
+          <a:fillRef idx="1">
+            <a:schemeClr val="accent1"/>
+          </a:fillRef>
+          <a:effectRef idx="0">
+            <a:schemeClr val="accent1"/>
+          </a:effectRef>
+          <a:fontRef idx="minor">
+            <a:schemeClr val="lt1"/>
+          </a:fontRef>
+        </p:style>
+        <p:txBody>
+          <a:bodyPr rtlCol="0" anchor="ctr"/>
+          <a:p>
+            <a:pPr algn="ctr"/>
+            <a:r>
+              <a:rPr lang="en-US" altLang="en-US" sz="1000">
+                <a:sym typeface="+mn-ea"/>
+              </a:rPr>
+              <a:t>v - Check electrical compatibility between PV panels arrangement  and charge controller</a:t>
+            </a:r>
+            <a:endParaRPr lang="en-US" altLang="en-US" sz="1000">
+              <a:sym typeface="+mn-ea"/>
+            </a:endParaRPr>
+          </a:p>
+        </p:txBody>
+      </p:sp>
+      <p:sp>
+        <p:nvSpPr>
+          <p:cNvPr id="27" name="Flowchart: Process 26"/>
+          <p:cNvSpPr/>
+          <p:nvPr/>
+        </p:nvSpPr>
+        <p:spPr>
+          <a:xfrm>
+            <a:off x="276225" y="7292975"/>
+            <a:ext cx="2530475" cy="391160"/>
+          </a:xfrm>
+          <a:prstGeom prst="flowChartProcess">
+            <a:avLst/>
+          </a:prstGeom>
+          <a:solidFill>
+            <a:schemeClr val="bg1">
+              <a:lumMod val="75000"/>
+            </a:schemeClr>
+          </a:solidFill>
+          <a:ln>
+            <a:solidFill>
+              <a:schemeClr val="tx1"/>
+            </a:solidFill>
+          </a:ln>
+        </p:spPr>
+        <p:style>
+          <a:lnRef idx="2">
+            <a:schemeClr val="accent6"/>
+          </a:lnRef>
+          <a:fillRef idx="1">
+            <a:schemeClr val="lt1"/>
+          </a:fillRef>
+          <a:effectRef idx="0">
+            <a:schemeClr val="accent6"/>
+          </a:effectRef>
+          <a:fontRef idx="minor">
+            <a:schemeClr val="dk1"/>
+          </a:fontRef>
+        </p:style>
+        <p:txBody>
+          <a:bodyPr rtlCol="0" anchor="ctr"/>
+          <a:p>
+            <a:pPr algn="ctr"/>
+            <a:r>
+              <a:rPr lang="en-US" altLang="en-US" sz="1000"/>
+              <a:t>xiii - Define number of charge controllers</a:t>
+            </a:r>
+            <a:endParaRPr lang="en-US" altLang="en-US" sz="1000"/>
+          </a:p>
+        </p:txBody>
+      </p:sp>
+      <p:cxnSp>
+        <p:nvCxnSpPr>
+          <p:cNvPr id="30" name="Elbow Connector 29"/>
+          <p:cNvCxnSpPr/>
+          <p:nvPr/>
+        </p:nvCxnSpPr>
+        <p:spPr>
+          <a:xfrm rot="5400000" flipV="1">
+            <a:off x="1519555" y="6557645"/>
+            <a:ext cx="99695" cy="3175"/>
+          </a:xfrm>
+          <a:prstGeom prst="bentConnector3">
+            <a:avLst>
+              <a:gd name="adj1" fmla="val 50318"/>
+            </a:avLst>
+          </a:prstGeom>
+          <a:ln w="0">
+            <a:solidFill>
+              <a:schemeClr val="dk1"/>
+            </a:solidFill>
+            <a:tailEnd type="triangle" w="med" len="med"/>
+          </a:ln>
+        </p:spPr>
+        <p:style>
+          <a:lnRef idx="1">
+            <a:schemeClr val="dk1"/>
+          </a:lnRef>
+          <a:fillRef idx="0">
+            <a:schemeClr val="dk1"/>
+          </a:fillRef>
+          <a:effectRef idx="0">
+            <a:schemeClr val="dk1"/>
+          </a:effectRef>
+          <a:fontRef idx="minor">
+            <a:schemeClr val="tx1"/>
+          </a:fontRef>
+        </p:style>
+      </p:cxnSp>
+      <p:sp>
+        <p:nvSpPr>
+          <p:cNvPr id="7" name="Flowchart: Preparation 6"/>
+          <p:cNvSpPr/>
+          <p:nvPr/>
+        </p:nvSpPr>
+        <p:spPr>
+          <a:xfrm>
+            <a:off x="288290" y="162560"/>
+            <a:ext cx="2513965" cy="426085"/>
+          </a:xfrm>
+          <a:prstGeom prst="flowChartPreparation">
+            <a:avLst/>
+          </a:prstGeom>
+        </p:spPr>
+        <p:style>
+          <a:lnRef idx="2">
+            <a:schemeClr val="accent1">
+              <a:shade val="50000"/>
+            </a:schemeClr>
+          </a:lnRef>
+          <a:fillRef idx="1">
+            <a:schemeClr val="accent1"/>
+          </a:fillRef>
+          <a:effectRef idx="0">
+            <a:schemeClr val="accent1"/>
+          </a:effectRef>
+          <a:fontRef idx="minor">
+            <a:schemeClr val="lt1"/>
+          </a:fontRef>
+        </p:style>
+        <p:txBody>
+          <a:bodyPr rtlCol="0" anchor="ctr"/>
+          <a:p>
+            <a:pPr algn="ctr"/>
+            <a:r>
+              <a:rPr lang="en-US" altLang="en-US" sz="1000">
+                <a:sym typeface="+mn-ea"/>
+              </a:rPr>
+              <a:t>Pick panel, inverter, controller and battery candidates</a:t>
+            </a:r>
+            <a:endParaRPr lang="en-US" altLang="en-US" sz="1000">
+              <a:sym typeface="+mn-ea"/>
+            </a:endParaRPr>
+          </a:p>
+        </p:txBody>
+      </p:sp>
+      <p:sp>
+        <p:nvSpPr>
+          <p:cNvPr id="17" name="Line Callout 1 16"/>
+          <p:cNvSpPr/>
+          <p:nvPr/>
+        </p:nvSpPr>
+        <p:spPr>
+          <a:xfrm>
+            <a:off x="3566795" y="211455"/>
+            <a:ext cx="1306195" cy="690880"/>
+          </a:xfrm>
+          <a:prstGeom prst="borderCallout1">
+            <a:avLst>
+              <a:gd name="adj1" fmla="val 18750"/>
+              <a:gd name="adj2" fmla="val -8333"/>
+              <a:gd name="adj3" fmla="val 22886"/>
+              <a:gd name="adj4" fmla="val -50802"/>
+            </a:avLst>
+          </a:prstGeom>
+        </p:spPr>
+        <p:style>
+          <a:lnRef idx="2">
+            <a:schemeClr val="accent1">
+              <a:shade val="50000"/>
+            </a:schemeClr>
+          </a:lnRef>
+          <a:fillRef idx="1">
+            <a:schemeClr val="accent1"/>
+          </a:fillRef>
+          <a:effectRef idx="0">
+            <a:schemeClr val="accent1"/>
+          </a:effectRef>
+          <a:fontRef idx="minor">
+            <a:schemeClr val="lt1"/>
+          </a:fontRef>
+        </p:style>
+        <p:txBody>
+          <a:bodyPr rtlCol="0" anchor="ctr"/>
+          <a:p>
+            <a:pPr algn="ctr"/>
+            <a:r>
+              <a:rPr lang="" altLang="en-US" sz="1200"/>
+              <a:t>4 Non-deterministic variables and 4 matrices</a:t>
+            </a:r>
+            <a:endParaRPr lang="" altLang="en-US" sz="1200"/>
+          </a:p>
+        </p:txBody>
+      </p:sp>
+      <p:sp>
+        <p:nvSpPr>
+          <p:cNvPr id="24" name="Line Callout 1 23"/>
+          <p:cNvSpPr/>
+          <p:nvPr/>
+        </p:nvSpPr>
+        <p:spPr>
+          <a:xfrm>
+            <a:off x="4998720" y="2968625"/>
+            <a:ext cx="1118235" cy="251460"/>
+          </a:xfrm>
+          <a:prstGeom prst="borderCallout1">
+            <a:avLst>
+              <a:gd name="adj1" fmla="val 18750"/>
+              <a:gd name="adj2" fmla="val -8333"/>
+              <a:gd name="adj3" fmla="val 102777"/>
+              <a:gd name="adj4" fmla="val -63202"/>
+            </a:avLst>
+          </a:prstGeom>
+        </p:spPr>
+        <p:style>
+          <a:lnRef idx="2">
+            <a:schemeClr val="accent1">
+              <a:shade val="50000"/>
+            </a:schemeClr>
+          </a:lnRef>
+          <a:fillRef idx="1">
+            <a:schemeClr val="accent1"/>
+          </a:fillRef>
+          <a:effectRef idx="0">
+            <a:schemeClr val="accent1"/>
+          </a:effectRef>
+          <a:fontRef idx="minor">
+            <a:schemeClr val="lt1"/>
+          </a:fontRef>
+        </p:style>
+        <p:txBody>
+          <a:bodyPr rtlCol="0" anchor="ctr"/>
+          <a:p>
+            <a:pPr algn="ctr"/>
+            <a:r>
+              <a:rPr lang="" altLang="en-US" sz="1200"/>
+              <a:t>assume</a:t>
+            </a:r>
+            <a:endParaRPr lang="" altLang="en-US" sz="1200"/>
+          </a:p>
+        </p:txBody>
+      </p:sp>
+      <p:sp>
+        <p:nvSpPr>
+          <p:cNvPr id="43" name="Line Callout 1 42"/>
+          <p:cNvSpPr/>
+          <p:nvPr/>
+        </p:nvSpPr>
+        <p:spPr>
+          <a:xfrm>
+            <a:off x="4204970" y="5143500"/>
+            <a:ext cx="1118235" cy="251460"/>
+          </a:xfrm>
+          <a:prstGeom prst="borderCallout1">
+            <a:avLst>
+              <a:gd name="adj1" fmla="val 18750"/>
+              <a:gd name="adj2" fmla="val -8333"/>
+              <a:gd name="adj3" fmla="val 102777"/>
+              <a:gd name="adj4" fmla="val -63202"/>
+            </a:avLst>
+          </a:prstGeom>
+        </p:spPr>
+        <p:style>
+          <a:lnRef idx="2">
+            <a:schemeClr val="accent1">
+              <a:shade val="50000"/>
+            </a:schemeClr>
+          </a:lnRef>
+          <a:fillRef idx="1">
+            <a:schemeClr val="accent1"/>
+          </a:fillRef>
+          <a:effectRef idx="0">
+            <a:schemeClr val="accent1"/>
+          </a:effectRef>
+          <a:fontRef idx="minor">
+            <a:schemeClr val="lt1"/>
+          </a:fontRef>
+        </p:style>
+        <p:txBody>
+          <a:bodyPr rtlCol="0" anchor="ctr"/>
+          <a:p>
+            <a:pPr algn="ctr"/>
+            <a:r>
+              <a:rPr lang="en-US" altLang="en-US" sz="1200"/>
+              <a:t>assume</a:t>
+            </a:r>
+            <a:endParaRPr lang="en-US" altLang="en-US" sz="1200"/>
+          </a:p>
+        </p:txBody>
+      </p:sp>
+      <p:sp>
+        <p:nvSpPr>
+          <p:cNvPr id="44" name="Line Callout 1 43"/>
+          <p:cNvSpPr/>
+          <p:nvPr/>
+        </p:nvSpPr>
+        <p:spPr>
+          <a:xfrm>
+            <a:off x="4346575" y="7454900"/>
+            <a:ext cx="1118235" cy="251460"/>
+          </a:xfrm>
+          <a:prstGeom prst="borderCallout1">
+            <a:avLst>
+              <a:gd name="adj1" fmla="val 18750"/>
+              <a:gd name="adj2" fmla="val -8333"/>
+              <a:gd name="adj3" fmla="val 102777"/>
+              <a:gd name="adj4" fmla="val -63202"/>
+            </a:avLst>
+          </a:prstGeom>
+        </p:spPr>
+        <p:style>
+          <a:lnRef idx="2">
+            <a:schemeClr val="accent1">
+              <a:shade val="50000"/>
+            </a:schemeClr>
+          </a:lnRef>
+          <a:fillRef idx="1">
+            <a:schemeClr val="accent1"/>
+          </a:fillRef>
+          <a:effectRef idx="0">
+            <a:schemeClr val="accent1"/>
+          </a:effectRef>
+          <a:fontRef idx="minor">
+            <a:schemeClr val="lt1"/>
+          </a:fontRef>
+        </p:style>
+        <p:txBody>
+          <a:bodyPr rtlCol="0" anchor="ctr"/>
+          <a:p>
+            <a:pPr algn="ctr"/>
+            <a:r>
+              <a:rPr lang="en-US" altLang="en-US" sz="1200"/>
+              <a:t>assume</a:t>
+            </a:r>
+            <a:endParaRPr lang="en-US" altLang="en-US" sz="1200"/>
+          </a:p>
+        </p:txBody>
+      </p:sp>
+      <p:sp>
+        <p:nvSpPr>
+          <p:cNvPr id="45" name="Flowchart: Display 44"/>
+          <p:cNvSpPr/>
+          <p:nvPr/>
+        </p:nvSpPr>
+        <p:spPr>
+          <a:xfrm>
+            <a:off x="264795" y="8425180"/>
+            <a:ext cx="2529840" cy="338455"/>
+          </a:xfrm>
+          <a:prstGeom prst="flowChartDisplay">
+            <a:avLst/>
+          </a:prstGeom>
+        </p:spPr>
+        <p:style>
+          <a:lnRef idx="2">
+            <a:schemeClr val="accent1">
+              <a:shade val="50000"/>
+            </a:schemeClr>
+          </a:lnRef>
+          <a:fillRef idx="1">
+            <a:schemeClr val="accent1"/>
+          </a:fillRef>
+          <a:effectRef idx="0">
+            <a:schemeClr val="accent1"/>
+          </a:effectRef>
+          <a:fontRef idx="minor">
+            <a:schemeClr val="lt1"/>
+          </a:fontRef>
+        </p:style>
+        <p:txBody>
+          <a:bodyPr rtlCol="0" anchor="ctr"/>
+          <a:p>
+            <a:pPr algn="ctr"/>
+            <a:r>
+              <a:rPr lang="" altLang="en-US" sz="1200"/>
+              <a:t>Feasible solution: SYNTHESIS</a:t>
+            </a:r>
+            <a:endParaRPr lang="" altLang="en-US" sz="1200"/>
+          </a:p>
+        </p:txBody>
+      </p:sp>
+      <p:sp>
+        <p:nvSpPr>
+          <p:cNvPr id="46" name="Line Callout 1 45"/>
+          <p:cNvSpPr/>
+          <p:nvPr/>
+        </p:nvSpPr>
+        <p:spPr>
+          <a:xfrm>
+            <a:off x="3880485" y="6509385"/>
+            <a:ext cx="1118235" cy="251460"/>
+          </a:xfrm>
+          <a:prstGeom prst="borderCallout1">
+            <a:avLst>
+              <a:gd name="adj1" fmla="val 18750"/>
+              <a:gd name="adj2" fmla="val -8333"/>
+              <a:gd name="adj3" fmla="val 102777"/>
+              <a:gd name="adj4" fmla="val -63202"/>
+            </a:avLst>
+          </a:prstGeom>
+        </p:spPr>
+        <p:style>
+          <a:lnRef idx="2">
+            <a:schemeClr val="accent1">
+              <a:shade val="50000"/>
+            </a:schemeClr>
+          </a:lnRef>
+          <a:fillRef idx="1">
+            <a:schemeClr val="accent1"/>
+          </a:fillRef>
+          <a:effectRef idx="0">
+            <a:schemeClr val="accent1"/>
+          </a:effectRef>
+          <a:fontRef idx="minor">
+            <a:schemeClr val="lt1"/>
+          </a:fontRef>
+        </p:style>
+        <p:txBody>
+          <a:bodyPr rtlCol="0" anchor="ctr"/>
+          <a:p>
+            <a:pPr algn="ctr"/>
+            <a:r>
+              <a:rPr lang="en-US" altLang="en-US" sz="1200"/>
+              <a:t>assume</a:t>
+            </a:r>
+            <a:endParaRPr lang="en-US" altLang="en-US" sz="1200"/>
+          </a:p>
+        </p:txBody>
+      </p:sp>
+    </p:spTree>
+  </p:cSld>
+  <p:clrMapOvr>
+    <a:masterClrMapping/>
+  </p:clrMapOvr>
+</p:sld>
+</file>
+
+<file path=ppt/slides/slide4.xml><?xml version="1.0" encoding="utf-8"?>
 <p:sld xmlns:a="http://schemas.openxmlformats.org/drawingml/2006/main" xmlns:r="http://schemas.openxmlformats.org/officeDocument/2006/relationships" xmlns:p="http://schemas.openxmlformats.org/presentationml/2006/main">
   <p:cSld>
     <p:spTree>
